--- a/hasil ANN.pptx
+++ b/hasil ANN.pptx
@@ -8,6 +8,7 @@
     <p:sldId id="256" r:id="rId2"/>
     <p:sldId id="257" r:id="rId3"/>
     <p:sldId id="258" r:id="rId4"/>
+    <p:sldId id="259" r:id="rId5"/>
   </p:sldIdLst>
   <p:sldSz cx="9144000" cy="6858000" type="screen4x3"/>
   <p:notesSz cx="6858000" cy="9144000"/>
@@ -3310,8 +3311,8 @@
         </p:nvSpPr>
         <p:spPr>
           <a:xfrm>
-            <a:off x="3493704" y="219997"/>
-            <a:ext cx="2156681" cy="461665"/>
+            <a:off x="2989559" y="204467"/>
+            <a:ext cx="3009478" cy="461665"/>
           </a:xfrm>
           <a:prstGeom prst="rect">
             <a:avLst/>
@@ -3331,6 +3332,10 @@
             <a:r>
               <a:rPr lang="en-GB" sz="2400" b="1" dirty="0" err="1" smtClean="0"/>
               <a:t>Acak</a:t>
+            </a:r>
+            <a:r>
+              <a:rPr lang="en-GB" sz="2400" b="1" dirty="0" smtClean="0"/>
+              <a:t> (Audi)</a:t>
             </a:r>
             <a:endParaRPr lang="en-GB" sz="2400" b="1" dirty="0"/>
           </a:p>
@@ -3404,6 +3409,89 @@
     <p:extLst>
       <p:ext uri="{BB962C8B-B14F-4D97-AF65-F5344CB8AC3E}">
         <p14:creationId xmlns:p14="http://schemas.microsoft.com/office/powerpoint/2010/main" val="846173943"/>
+      </p:ext>
+    </p:extLst>
+  </p:cSld>
+  <p:clrMapOvr>
+    <a:masterClrMapping/>
+  </p:clrMapOvr>
+  <p:timing>
+    <p:tnLst>
+      <p:par>
+        <p:cTn id="1" dur="indefinite" restart="never" nodeType="tmRoot"/>
+      </p:par>
+    </p:tnLst>
+  </p:timing>
+</p:sld>
+</file>
+
+<file path=ppt/slides/slide4.xml><?xml version="1.0" encoding="utf-8"?>
+<p:sld xmlns:a="http://schemas.openxmlformats.org/drawingml/2006/main" xmlns:r="http://schemas.openxmlformats.org/officeDocument/2006/relationships" xmlns:p="http://schemas.openxmlformats.org/presentationml/2006/main">
+  <p:cSld>
+    <p:spTree>
+      <p:nvGrpSpPr>
+        <p:cNvPr id="1" name=""/>
+        <p:cNvGrpSpPr/>
+        <p:nvPr/>
+      </p:nvGrpSpPr>
+      <p:grpSpPr>
+        <a:xfrm>
+          <a:off x="0" y="0"/>
+          <a:ext cx="0" cy="0"/>
+          <a:chOff x="0" y="0"/>
+          <a:chExt cx="0" cy="0"/>
+        </a:xfrm>
+      </p:grpSpPr>
+      <p:sp>
+        <p:nvSpPr>
+          <p:cNvPr id="5" name="TextBox 4"/>
+          <p:cNvSpPr txBox="1"/>
+          <p:nvPr/>
+        </p:nvSpPr>
+        <p:spPr>
+          <a:xfrm>
+            <a:off x="2830861" y="204467"/>
+            <a:ext cx="3326873" cy="461665"/>
+          </a:xfrm>
+          <a:prstGeom prst="rect">
+            <a:avLst/>
+          </a:prstGeom>
+          <a:noFill/>
+        </p:spPr>
+        <p:txBody>
+          <a:bodyPr wrap="none" rtlCol="0">
+            <a:spAutoFit/>
+          </a:bodyPr>
+          <a:lstStyle/>
+          <a:p>
+            <a:r>
+              <a:rPr lang="en-GB" sz="2400" b="1" dirty="0" smtClean="0"/>
+              <a:t>1000 Data </a:t>
+            </a:r>
+            <a:r>
+              <a:rPr lang="en-GB" sz="2400" b="1" dirty="0" err="1" smtClean="0"/>
+              <a:t>Acak</a:t>
+            </a:r>
+            <a:r>
+              <a:rPr lang="en-GB" sz="2400" b="1" dirty="0" smtClean="0"/>
+              <a:t> (</a:t>
+            </a:r>
+            <a:r>
+              <a:rPr lang="en-GB" sz="2400" b="1" dirty="0" err="1" smtClean="0"/>
+              <a:t>Andina</a:t>
+            </a:r>
+            <a:r>
+              <a:rPr lang="en-GB" sz="2400" b="1" dirty="0" smtClean="0"/>
+              <a:t>)</a:t>
+            </a:r>
+            <a:endParaRPr lang="en-GB" sz="2400" b="1" dirty="0"/>
+          </a:p>
+        </p:txBody>
+      </p:sp>
+    </p:spTree>
+    <p:extLst>
+      <p:ext uri="{BB962C8B-B14F-4D97-AF65-F5344CB8AC3E}">
+        <p14:creationId xmlns:p14="http://schemas.microsoft.com/office/powerpoint/2010/main" val="1676748093"/>
       </p:ext>
     </p:extLst>
   </p:cSld>

--- a/hasil ANN.pptx
+++ b/hasil ANN.pptx
@@ -7,8 +7,8 @@
   <p:sldIdLst>
     <p:sldId id="256" r:id="rId2"/>
     <p:sldId id="257" r:id="rId3"/>
-    <p:sldId id="258" r:id="rId4"/>
-    <p:sldId id="259" r:id="rId5"/>
+    <p:sldId id="259" r:id="rId4"/>
+    <p:sldId id="258" r:id="rId5"/>
   </p:sldIdLst>
   <p:sldSz cx="9144000" cy="6858000" type="screen4x3"/>
   <p:notesSz cx="6858000" cy="9144000"/>
@@ -3311,6 +3311,145 @@
         </p:nvSpPr>
         <p:spPr>
           <a:xfrm>
+            <a:off x="3493704" y="219997"/>
+            <a:ext cx="2001189" cy="461665"/>
+          </a:xfrm>
+          <a:prstGeom prst="rect">
+            <a:avLst/>
+          </a:prstGeom>
+          <a:noFill/>
+        </p:spPr>
+        <p:txBody>
+          <a:bodyPr wrap="none" rtlCol="0">
+            <a:spAutoFit/>
+          </a:bodyPr>
+          <a:lstStyle/>
+          <a:p>
+            <a:r>
+              <a:rPr lang="en-GB" sz="2400" b="1" dirty="0"/>
+              <a:t>5</a:t>
+            </a:r>
+            <a:r>
+              <a:rPr lang="en-GB" sz="2400" b="1" dirty="0" smtClean="0"/>
+              <a:t>00 Data </a:t>
+            </a:r>
+            <a:r>
+              <a:rPr lang="en-GB" sz="2400" b="1" dirty="0" err="1" smtClean="0"/>
+              <a:t>Acak</a:t>
+            </a:r>
+            <a:endParaRPr lang="en-GB" sz="2400" b="1" dirty="0"/>
+          </a:p>
+        </p:txBody>
+      </p:sp>
+      <p:pic>
+        <p:nvPicPr>
+          <p:cNvPr id="1026" name="Picture 2"/>
+          <p:cNvPicPr>
+            <a:picLocks noChangeAspect="1" noChangeArrowheads="1"/>
+          </p:cNvPicPr>
+          <p:nvPr/>
+        </p:nvPicPr>
+        <p:blipFill>
+          <a:blip r:embed="rId2">
+            <a:extLst>
+              <a:ext uri="{28A0092B-C50C-407E-A947-70E740481C1C}">
+                <a14:useLocalDpi xmlns:a14="http://schemas.microsoft.com/office/drawing/2010/main" val="0"/>
+              </a:ext>
+            </a:extLst>
+          </a:blip>
+          <a:srcRect/>
+          <a:stretch>
+            <a:fillRect/>
+          </a:stretch>
+        </p:blipFill>
+        <p:spPr bwMode="auto">
+          <a:xfrm>
+            <a:off x="485458" y="1268760"/>
+            <a:ext cx="8017680" cy="2408088"/>
+          </a:xfrm>
+          <a:prstGeom prst="rect">
+            <a:avLst/>
+          </a:prstGeom>
+          <a:noFill/>
+          <a:ln>
+            <a:noFill/>
+          </a:ln>
+          <a:effectLst/>
+          <a:extLst>
+            <a:ext uri="{909E8E84-426E-40DD-AFC4-6F175D3DCCD1}">
+              <a14:hiddenFill xmlns:a14="http://schemas.microsoft.com/office/drawing/2010/main">
+                <a:solidFill>
+                  <a:schemeClr val="accent1"/>
+                </a:solidFill>
+              </a14:hiddenFill>
+            </a:ext>
+            <a:ext uri="{91240B29-F687-4F45-9708-019B960494DF}">
+              <a14:hiddenLine xmlns:a14="http://schemas.microsoft.com/office/drawing/2010/main" w="9525">
+                <a:solidFill>
+                  <a:schemeClr val="tx1"/>
+                </a:solidFill>
+                <a:miter lim="800000"/>
+                <a:headEnd/>
+                <a:tailEnd/>
+              </a14:hiddenLine>
+            </a:ext>
+            <a:ext uri="{AF507438-7753-43E0-B8FC-AC1667EBCBE1}">
+              <a14:hiddenEffects xmlns:a14="http://schemas.microsoft.com/office/drawing/2010/main">
+                <a:effectLst>
+                  <a:outerShdw dist="35921" dir="2700000" algn="ctr" rotWithShape="0">
+                    <a:schemeClr val="bg2"/>
+                  </a:outerShdw>
+                </a:effectLst>
+              </a14:hiddenEffects>
+            </a:ext>
+          </a:extLst>
+        </p:spPr>
+      </p:pic>
+    </p:spTree>
+    <p:extLst>
+      <p:ext uri="{BB962C8B-B14F-4D97-AF65-F5344CB8AC3E}">
+        <p14:creationId xmlns:p14="http://schemas.microsoft.com/office/powerpoint/2010/main" val="2775096663"/>
+      </p:ext>
+    </p:extLst>
+  </p:cSld>
+  <p:clrMapOvr>
+    <a:masterClrMapping/>
+  </p:clrMapOvr>
+  <p:timing>
+    <p:tnLst>
+      <p:par>
+        <p:cTn id="1" dur="indefinite" restart="never" nodeType="tmRoot"/>
+      </p:par>
+    </p:tnLst>
+  </p:timing>
+</p:sld>
+</file>
+
+<file path=ppt/slides/slide4.xml><?xml version="1.0" encoding="utf-8"?>
+<p:sld xmlns:a="http://schemas.openxmlformats.org/drawingml/2006/main" xmlns:r="http://schemas.openxmlformats.org/officeDocument/2006/relationships" xmlns:p="http://schemas.openxmlformats.org/presentationml/2006/main">
+  <p:cSld>
+    <p:spTree>
+      <p:nvGrpSpPr>
+        <p:cNvPr id="1" name=""/>
+        <p:cNvGrpSpPr/>
+        <p:nvPr/>
+      </p:nvGrpSpPr>
+      <p:grpSpPr>
+        <a:xfrm>
+          <a:off x="0" y="0"/>
+          <a:ext cx="0" cy="0"/>
+          <a:chOff x="0" y="0"/>
+          <a:chExt cx="0" cy="0"/>
+        </a:xfrm>
+      </p:grpSpPr>
+      <p:sp>
+        <p:nvSpPr>
+          <p:cNvPr id="5" name="TextBox 4"/>
+          <p:cNvSpPr txBox="1"/>
+          <p:nvPr/>
+        </p:nvSpPr>
+        <p:spPr>
+          <a:xfrm>
             <a:off x="2989559" y="204467"/>
             <a:ext cx="3009478" cy="461665"/>
           </a:xfrm>
@@ -3409,89 +3548,6 @@
     <p:extLst>
       <p:ext uri="{BB962C8B-B14F-4D97-AF65-F5344CB8AC3E}">
         <p14:creationId xmlns:p14="http://schemas.microsoft.com/office/powerpoint/2010/main" val="846173943"/>
-      </p:ext>
-    </p:extLst>
-  </p:cSld>
-  <p:clrMapOvr>
-    <a:masterClrMapping/>
-  </p:clrMapOvr>
-  <p:timing>
-    <p:tnLst>
-      <p:par>
-        <p:cTn id="1" dur="indefinite" restart="never" nodeType="tmRoot"/>
-      </p:par>
-    </p:tnLst>
-  </p:timing>
-</p:sld>
-</file>
-
-<file path=ppt/slides/slide4.xml><?xml version="1.0" encoding="utf-8"?>
-<p:sld xmlns:a="http://schemas.openxmlformats.org/drawingml/2006/main" xmlns:r="http://schemas.openxmlformats.org/officeDocument/2006/relationships" xmlns:p="http://schemas.openxmlformats.org/presentationml/2006/main">
-  <p:cSld>
-    <p:spTree>
-      <p:nvGrpSpPr>
-        <p:cNvPr id="1" name=""/>
-        <p:cNvGrpSpPr/>
-        <p:nvPr/>
-      </p:nvGrpSpPr>
-      <p:grpSpPr>
-        <a:xfrm>
-          <a:off x="0" y="0"/>
-          <a:ext cx="0" cy="0"/>
-          <a:chOff x="0" y="0"/>
-          <a:chExt cx="0" cy="0"/>
-        </a:xfrm>
-      </p:grpSpPr>
-      <p:sp>
-        <p:nvSpPr>
-          <p:cNvPr id="5" name="TextBox 4"/>
-          <p:cNvSpPr txBox="1"/>
-          <p:nvPr/>
-        </p:nvSpPr>
-        <p:spPr>
-          <a:xfrm>
-            <a:off x="2830861" y="204467"/>
-            <a:ext cx="3326873" cy="461665"/>
-          </a:xfrm>
-          <a:prstGeom prst="rect">
-            <a:avLst/>
-          </a:prstGeom>
-          <a:noFill/>
-        </p:spPr>
-        <p:txBody>
-          <a:bodyPr wrap="none" rtlCol="0">
-            <a:spAutoFit/>
-          </a:bodyPr>
-          <a:lstStyle/>
-          <a:p>
-            <a:r>
-              <a:rPr lang="en-GB" sz="2400" b="1" dirty="0" smtClean="0"/>
-              <a:t>1000 Data </a:t>
-            </a:r>
-            <a:r>
-              <a:rPr lang="en-GB" sz="2400" b="1" dirty="0" err="1" smtClean="0"/>
-              <a:t>Acak</a:t>
-            </a:r>
-            <a:r>
-              <a:rPr lang="en-GB" sz="2400" b="1" dirty="0" smtClean="0"/>
-              <a:t> (</a:t>
-            </a:r>
-            <a:r>
-              <a:rPr lang="en-GB" sz="2400" b="1" dirty="0" err="1" smtClean="0"/>
-              <a:t>Andina</a:t>
-            </a:r>
-            <a:r>
-              <a:rPr lang="en-GB" sz="2400" b="1" dirty="0" smtClean="0"/>
-              <a:t>)</a:t>
-            </a:r>
-            <a:endParaRPr lang="en-GB" sz="2400" b="1" dirty="0"/>
-          </a:p>
-        </p:txBody>
-      </p:sp>
-    </p:spTree>
-    <p:extLst>
-      <p:ext uri="{BB962C8B-B14F-4D97-AF65-F5344CB8AC3E}">
-        <p14:creationId xmlns:p14="http://schemas.microsoft.com/office/powerpoint/2010/main" val="1676748093"/>
       </p:ext>
     </p:extLst>
   </p:cSld>

--- a/hasil ANN.pptx
+++ b/hasil ANN.pptx
@@ -7,7 +7,7 @@
   <p:sldIdLst>
     <p:sldId id="256" r:id="rId2"/>
     <p:sldId id="257" r:id="rId3"/>
-    <p:sldId id="259" r:id="rId4"/>
+    <p:sldId id="260" r:id="rId4"/>
     <p:sldId id="258" r:id="rId5"/>
   </p:sldIdLst>
   <p:sldSz cx="9144000" cy="6858000" type="screen4x3"/>
@@ -3343,14 +3343,43 @@
       </p:sp>
       <p:pic>
         <p:nvPicPr>
-          <p:cNvPr id="1026" name="Picture 2"/>
+          <p:cNvPr id="2" name="Picture 1"/>
+          <p:cNvPicPr>
+            <a:picLocks noChangeAspect="1"/>
+          </p:cNvPicPr>
+          <p:nvPr/>
+        </p:nvPicPr>
+        <p:blipFill rotWithShape="1">
+          <a:blip r:embed="rId2">
+            <a:extLst>
+              <a:ext uri="{28A0092B-C50C-407E-A947-70E740481C1C}">
+                <a14:useLocalDpi xmlns:a14="http://schemas.microsoft.com/office/drawing/2010/main" val="0"/>
+              </a:ext>
+            </a:extLst>
+          </a:blip>
+          <a:srcRect t="4738"/>
+          <a:stretch/>
+        </p:blipFill>
+        <p:spPr>
+          <a:xfrm>
+            <a:off x="4540742" y="1475071"/>
+            <a:ext cx="4495754" cy="4349941"/>
+          </a:xfrm>
+          <a:prstGeom prst="rect">
+            <a:avLst/>
+          </a:prstGeom>
+        </p:spPr>
+      </p:pic>
+      <p:pic>
+        <p:nvPicPr>
+          <p:cNvPr id="2050" name="Picture 2"/>
           <p:cNvPicPr>
             <a:picLocks noChangeAspect="1" noChangeArrowheads="1"/>
           </p:cNvPicPr>
           <p:nvPr/>
         </p:nvPicPr>
         <p:blipFill>
-          <a:blip r:embed="rId2">
+          <a:blip r:embed="rId3">
             <a:extLst>
               <a:ext uri="{28A0092B-C50C-407E-A947-70E740481C1C}">
                 <a14:useLocalDpi xmlns:a14="http://schemas.microsoft.com/office/drawing/2010/main" val="0"/>
@@ -3364,8 +3393,8 @@
         </p:blipFill>
         <p:spPr bwMode="auto">
           <a:xfrm>
-            <a:off x="485458" y="1268760"/>
-            <a:ext cx="8017680" cy="2408088"/>
+            <a:off x="107504" y="1468961"/>
+            <a:ext cx="4388175" cy="4356051"/>
           </a:xfrm>
           <a:prstGeom prst="rect">
             <a:avLst/>
@@ -3405,10 +3434,70 @@
           </a:extLst>
         </p:spPr>
       </p:pic>
+      <p:sp>
+        <p:nvSpPr>
+          <p:cNvPr id="3" name="TextBox 2"/>
+          <p:cNvSpPr txBox="1"/>
+          <p:nvPr/>
+        </p:nvSpPr>
+        <p:spPr>
+          <a:xfrm>
+            <a:off x="1162561" y="1012086"/>
+            <a:ext cx="2278060" cy="369332"/>
+          </a:xfrm>
+          <a:prstGeom prst="rect">
+            <a:avLst/>
+          </a:prstGeom>
+          <a:noFill/>
+        </p:spPr>
+        <p:txBody>
+          <a:bodyPr wrap="none" rtlCol="0">
+            <a:spAutoFit/>
+          </a:bodyPr>
+          <a:lstStyle/>
+          <a:p>
+            <a:r>
+              <a:rPr lang="en-GB" dirty="0" smtClean="0"/>
+              <a:t>Clear data KBBI (1259)</a:t>
+            </a:r>
+            <a:endParaRPr lang="en-GB" dirty="0"/>
+          </a:p>
+        </p:txBody>
+      </p:sp>
+      <p:sp>
+        <p:nvSpPr>
+          <p:cNvPr id="6" name="TextBox 5"/>
+          <p:cNvSpPr txBox="1"/>
+          <p:nvPr/>
+        </p:nvSpPr>
+        <p:spPr>
+          <a:xfrm>
+            <a:off x="5931718" y="1012086"/>
+            <a:ext cx="1713802" cy="369332"/>
+          </a:xfrm>
+          <a:prstGeom prst="rect">
+            <a:avLst/>
+          </a:prstGeom>
+          <a:noFill/>
+        </p:spPr>
+        <p:txBody>
+          <a:bodyPr wrap="none" rtlCol="0">
+            <a:spAutoFit/>
+          </a:bodyPr>
+          <a:lstStyle/>
+          <a:p>
+            <a:r>
+              <a:rPr lang="en-GB" dirty="0" smtClean="0"/>
+              <a:t>Raw data (1920)</a:t>
+            </a:r>
+            <a:endParaRPr lang="en-GB" dirty="0"/>
+          </a:p>
+        </p:txBody>
+      </p:sp>
     </p:spTree>
     <p:extLst>
       <p:ext uri="{BB962C8B-B14F-4D97-AF65-F5344CB8AC3E}">
-        <p14:creationId xmlns:p14="http://schemas.microsoft.com/office/powerpoint/2010/main" val="2775096663"/>
+        <p14:creationId xmlns:p14="http://schemas.microsoft.com/office/powerpoint/2010/main" val="3057545090"/>
       </p:ext>
     </p:extLst>
   </p:cSld>

--- a/hasil ANN.pptx
+++ b/hasil ANN.pptx
@@ -9,6 +9,7 @@
     <p:sldId id="257" r:id="rId3"/>
     <p:sldId id="260" r:id="rId4"/>
     <p:sldId id="258" r:id="rId5"/>
+    <p:sldId id="261" r:id="rId6"/>
   </p:sldIdLst>
   <p:sldSz cx="9144000" cy="6858000" type="screen4x3"/>
   <p:notesSz cx="6858000" cy="9144000"/>
@@ -291,7 +292,7 @@
           <a:p>
             <a:fld id="{971B3293-45C0-406E-BF69-948F0ACD2DA7}" type="datetimeFigureOut">
               <a:rPr lang="en-GB" smtClean="0"/>
-              <a:t>07/06/2017</a:t>
+              <a:t>08/06/2017</a:t>
             </a:fld>
             <a:endParaRPr lang="en-GB"/>
           </a:p>
@@ -461,7 +462,7 @@
           <a:p>
             <a:fld id="{971B3293-45C0-406E-BF69-948F0ACD2DA7}" type="datetimeFigureOut">
               <a:rPr lang="en-GB" smtClean="0"/>
-              <a:t>07/06/2017</a:t>
+              <a:t>08/06/2017</a:t>
             </a:fld>
             <a:endParaRPr lang="en-GB"/>
           </a:p>
@@ -641,7 +642,7 @@
           <a:p>
             <a:fld id="{971B3293-45C0-406E-BF69-948F0ACD2DA7}" type="datetimeFigureOut">
               <a:rPr lang="en-GB" smtClean="0"/>
-              <a:t>07/06/2017</a:t>
+              <a:t>08/06/2017</a:t>
             </a:fld>
             <a:endParaRPr lang="en-GB"/>
           </a:p>
@@ -811,7 +812,7 @@
           <a:p>
             <a:fld id="{971B3293-45C0-406E-BF69-948F0ACD2DA7}" type="datetimeFigureOut">
               <a:rPr lang="en-GB" smtClean="0"/>
-              <a:t>07/06/2017</a:t>
+              <a:t>08/06/2017</a:t>
             </a:fld>
             <a:endParaRPr lang="en-GB"/>
           </a:p>
@@ -1057,7 +1058,7 @@
           <a:p>
             <a:fld id="{971B3293-45C0-406E-BF69-948F0ACD2DA7}" type="datetimeFigureOut">
               <a:rPr lang="en-GB" smtClean="0"/>
-              <a:t>07/06/2017</a:t>
+              <a:t>08/06/2017</a:t>
             </a:fld>
             <a:endParaRPr lang="en-GB"/>
           </a:p>
@@ -1345,7 +1346,7 @@
           <a:p>
             <a:fld id="{971B3293-45C0-406E-BF69-948F0ACD2DA7}" type="datetimeFigureOut">
               <a:rPr lang="en-GB" smtClean="0"/>
-              <a:t>07/06/2017</a:t>
+              <a:t>08/06/2017</a:t>
             </a:fld>
             <a:endParaRPr lang="en-GB"/>
           </a:p>
@@ -1767,7 +1768,7 @@
           <a:p>
             <a:fld id="{971B3293-45C0-406E-BF69-948F0ACD2DA7}" type="datetimeFigureOut">
               <a:rPr lang="en-GB" smtClean="0"/>
-              <a:t>07/06/2017</a:t>
+              <a:t>08/06/2017</a:t>
             </a:fld>
             <a:endParaRPr lang="en-GB"/>
           </a:p>
@@ -1885,7 +1886,7 @@
           <a:p>
             <a:fld id="{971B3293-45C0-406E-BF69-948F0ACD2DA7}" type="datetimeFigureOut">
               <a:rPr lang="en-GB" smtClean="0"/>
-              <a:t>07/06/2017</a:t>
+              <a:t>08/06/2017</a:t>
             </a:fld>
             <a:endParaRPr lang="en-GB"/>
           </a:p>
@@ -1980,7 +1981,7 @@
           <a:p>
             <a:fld id="{971B3293-45C0-406E-BF69-948F0ACD2DA7}" type="datetimeFigureOut">
               <a:rPr lang="en-GB" smtClean="0"/>
-              <a:t>07/06/2017</a:t>
+              <a:t>08/06/2017</a:t>
             </a:fld>
             <a:endParaRPr lang="en-GB"/>
           </a:p>
@@ -2257,7 +2258,7 @@
           <a:p>
             <a:fld id="{971B3293-45C0-406E-BF69-948F0ACD2DA7}" type="datetimeFigureOut">
               <a:rPr lang="en-GB" smtClean="0"/>
-              <a:t>07/06/2017</a:t>
+              <a:t>08/06/2017</a:t>
             </a:fld>
             <a:endParaRPr lang="en-GB"/>
           </a:p>
@@ -2510,7 +2511,7 @@
           <a:p>
             <a:fld id="{971B3293-45C0-406E-BF69-948F0ACD2DA7}" type="datetimeFigureOut">
               <a:rPr lang="en-GB" smtClean="0"/>
-              <a:t>07/06/2017</a:t>
+              <a:t>08/06/2017</a:t>
             </a:fld>
             <a:endParaRPr lang="en-GB"/>
           </a:p>
@@ -2723,7 +2724,7 @@
           <a:p>
             <a:fld id="{971B3293-45C0-406E-BF69-948F0ACD2DA7}" type="datetimeFigureOut">
               <a:rPr lang="en-GB" smtClean="0"/>
-              <a:t>07/06/2017</a:t>
+              <a:t>08/06/2017</a:t>
             </a:fld>
             <a:endParaRPr lang="en-GB"/>
           </a:p>
@@ -3653,6 +3654,177 @@
 </p:sld>
 </file>
 
+<file path=ppt/slides/slide5.xml><?xml version="1.0" encoding="utf-8"?>
+<p:sld xmlns:a="http://schemas.openxmlformats.org/drawingml/2006/main" xmlns:r="http://schemas.openxmlformats.org/officeDocument/2006/relationships" xmlns:p="http://schemas.openxmlformats.org/presentationml/2006/main">
+  <p:cSld>
+    <p:spTree>
+      <p:nvGrpSpPr>
+        <p:cNvPr id="1" name=""/>
+        <p:cNvGrpSpPr/>
+        <p:nvPr/>
+      </p:nvGrpSpPr>
+      <p:grpSpPr>
+        <a:xfrm>
+          <a:off x="0" y="0"/>
+          <a:ext cx="0" cy="0"/>
+          <a:chOff x="0" y="0"/>
+          <a:chExt cx="0" cy="0"/>
+        </a:xfrm>
+      </p:grpSpPr>
+      <p:sp>
+        <p:nvSpPr>
+          <p:cNvPr id="5" name="TextBox 4"/>
+          <p:cNvSpPr txBox="1"/>
+          <p:nvPr/>
+        </p:nvSpPr>
+        <p:spPr>
+          <a:xfrm>
+            <a:off x="1336927" y="204466"/>
+            <a:ext cx="6314742" cy="461665"/>
+          </a:xfrm>
+          <a:prstGeom prst="rect">
+            <a:avLst/>
+          </a:prstGeom>
+          <a:noFill/>
+        </p:spPr>
+        <p:txBody>
+          <a:bodyPr wrap="none" rtlCol="0">
+            <a:spAutoFit/>
+          </a:bodyPr>
+          <a:lstStyle/>
+          <a:p>
+            <a:r>
+              <a:rPr lang="en-GB" sz="2400" b="1" dirty="0" smtClean="0"/>
+              <a:t>516 </a:t>
+            </a:r>
+            <a:r>
+              <a:rPr lang="en-GB" sz="2400" b="1" dirty="0" smtClean="0"/>
+              <a:t>Data </a:t>
+            </a:r>
+            <a:r>
+              <a:rPr lang="en-GB" sz="2400" b="1" dirty="0" err="1" smtClean="0"/>
+              <a:t>Acak</a:t>
+            </a:r>
+            <a:r>
+              <a:rPr lang="en-GB" sz="2400" b="1" dirty="0" smtClean="0"/>
+              <a:t> </a:t>
+            </a:r>
+            <a:r>
+              <a:rPr lang="en-GB" sz="2400" b="1" dirty="0" smtClean="0"/>
+              <a:t>(</a:t>
+            </a:r>
+            <a:r>
+              <a:rPr lang="en-GB" sz="2400" b="1" dirty="0" err="1" smtClean="0"/>
+              <a:t>distribusi</a:t>
+            </a:r>
+            <a:r>
+              <a:rPr lang="en-GB" sz="2400" b="1" dirty="0" smtClean="0"/>
+              <a:t> 172 data </a:t>
+            </a:r>
+            <a:r>
+              <a:rPr lang="en-GB" sz="2400" b="1" dirty="0" err="1" smtClean="0"/>
+              <a:t>masing</a:t>
+            </a:r>
+            <a:r>
+              <a:rPr lang="en-GB" sz="2400" b="1" dirty="0" smtClean="0"/>
+              <a:t> </a:t>
+            </a:r>
+            <a:r>
+              <a:rPr lang="en-GB" sz="2400" b="1" dirty="0" err="1" smtClean="0"/>
+              <a:t>kelas</a:t>
+            </a:r>
+            <a:r>
+              <a:rPr lang="en-GB" sz="2400" b="1" dirty="0" smtClean="0"/>
+              <a:t>)</a:t>
+            </a:r>
+            <a:endParaRPr lang="en-GB" sz="2400" b="1" dirty="0"/>
+          </a:p>
+        </p:txBody>
+      </p:sp>
+      <p:pic>
+        <p:nvPicPr>
+          <p:cNvPr id="2" name="Picture 2"/>
+          <p:cNvPicPr>
+            <a:picLocks noChangeAspect="1" noChangeArrowheads="1"/>
+          </p:cNvPicPr>
+          <p:nvPr/>
+        </p:nvPicPr>
+        <p:blipFill>
+          <a:blip r:embed="rId2">
+            <a:extLst>
+              <a:ext uri="{28A0092B-C50C-407E-A947-70E740481C1C}">
+                <a14:useLocalDpi xmlns:a14="http://schemas.microsoft.com/office/drawing/2010/main" val="0"/>
+              </a:ext>
+            </a:extLst>
+          </a:blip>
+          <a:srcRect/>
+          <a:stretch>
+            <a:fillRect/>
+          </a:stretch>
+        </p:blipFill>
+        <p:spPr bwMode="auto">
+          <a:xfrm>
+            <a:off x="1708038" y="908720"/>
+            <a:ext cx="5582392" cy="5565501"/>
+          </a:xfrm>
+          <a:prstGeom prst="rect">
+            <a:avLst/>
+          </a:prstGeom>
+          <a:noFill/>
+          <a:ln>
+            <a:noFill/>
+          </a:ln>
+          <a:effectLst/>
+          <a:extLst>
+            <a:ext uri="{909E8E84-426E-40DD-AFC4-6F175D3DCCD1}">
+              <a14:hiddenFill xmlns:a14="http://schemas.microsoft.com/office/drawing/2010/main">
+                <a:solidFill>
+                  <a:schemeClr val="accent1"/>
+                </a:solidFill>
+              </a14:hiddenFill>
+            </a:ext>
+            <a:ext uri="{91240B29-F687-4F45-9708-019B960494DF}">
+              <a14:hiddenLine xmlns:a14="http://schemas.microsoft.com/office/drawing/2010/main" w="9525">
+                <a:solidFill>
+                  <a:schemeClr val="tx1"/>
+                </a:solidFill>
+                <a:miter lim="800000"/>
+                <a:headEnd/>
+                <a:tailEnd/>
+              </a14:hiddenLine>
+            </a:ext>
+            <a:ext uri="{AF507438-7753-43E0-B8FC-AC1667EBCBE1}">
+              <a14:hiddenEffects xmlns:a14="http://schemas.microsoft.com/office/drawing/2010/main">
+                <a:effectLst>
+                  <a:outerShdw dist="35921" dir="2700000" algn="ctr" rotWithShape="0">
+                    <a:schemeClr val="bg2"/>
+                  </a:outerShdw>
+                </a:effectLst>
+              </a14:hiddenEffects>
+            </a:ext>
+          </a:extLst>
+        </p:spPr>
+      </p:pic>
+    </p:spTree>
+    <p:extLst>
+      <p:ext uri="{BB962C8B-B14F-4D97-AF65-F5344CB8AC3E}">
+        <p14:creationId xmlns:p14="http://schemas.microsoft.com/office/powerpoint/2010/main" val="3506857601"/>
+      </p:ext>
+    </p:extLst>
+  </p:cSld>
+  <p:clrMapOvr>
+    <a:masterClrMapping/>
+  </p:clrMapOvr>
+  <p:timing>
+    <p:tnLst>
+      <p:par>
+        <p:cTn id="1" dur="indefinite" restart="never" nodeType="tmRoot"/>
+      </p:par>
+    </p:tnLst>
+  </p:timing>
+</p:sld>
+</file>
+
 <file path=ppt/theme/theme1.xml><?xml version="1.0" encoding="utf-8"?>
 <a:theme xmlns:a="http://schemas.openxmlformats.org/drawingml/2006/main" name="Office Theme">
   <a:themeElements>

--- a/hasil ANN.pptx
+++ b/hasil ANN.pptx
@@ -292,7 +292,7 @@
           <a:p>
             <a:fld id="{971B3293-45C0-406E-BF69-948F0ACD2DA7}" type="datetimeFigureOut">
               <a:rPr lang="en-GB" smtClean="0"/>
-              <a:t>08/06/2017</a:t>
+              <a:t>09/06/2017</a:t>
             </a:fld>
             <a:endParaRPr lang="en-GB"/>
           </a:p>
@@ -462,7 +462,7 @@
           <a:p>
             <a:fld id="{971B3293-45C0-406E-BF69-948F0ACD2DA7}" type="datetimeFigureOut">
               <a:rPr lang="en-GB" smtClean="0"/>
-              <a:t>08/06/2017</a:t>
+              <a:t>09/06/2017</a:t>
             </a:fld>
             <a:endParaRPr lang="en-GB"/>
           </a:p>
@@ -642,7 +642,7 @@
           <a:p>
             <a:fld id="{971B3293-45C0-406E-BF69-948F0ACD2DA7}" type="datetimeFigureOut">
               <a:rPr lang="en-GB" smtClean="0"/>
-              <a:t>08/06/2017</a:t>
+              <a:t>09/06/2017</a:t>
             </a:fld>
             <a:endParaRPr lang="en-GB"/>
           </a:p>
@@ -812,7 +812,7 @@
           <a:p>
             <a:fld id="{971B3293-45C0-406E-BF69-948F0ACD2DA7}" type="datetimeFigureOut">
               <a:rPr lang="en-GB" smtClean="0"/>
-              <a:t>08/06/2017</a:t>
+              <a:t>09/06/2017</a:t>
             </a:fld>
             <a:endParaRPr lang="en-GB"/>
           </a:p>
@@ -1058,7 +1058,7 @@
           <a:p>
             <a:fld id="{971B3293-45C0-406E-BF69-948F0ACD2DA7}" type="datetimeFigureOut">
               <a:rPr lang="en-GB" smtClean="0"/>
-              <a:t>08/06/2017</a:t>
+              <a:t>09/06/2017</a:t>
             </a:fld>
             <a:endParaRPr lang="en-GB"/>
           </a:p>
@@ -1346,7 +1346,7 @@
           <a:p>
             <a:fld id="{971B3293-45C0-406E-BF69-948F0ACD2DA7}" type="datetimeFigureOut">
               <a:rPr lang="en-GB" smtClean="0"/>
-              <a:t>08/06/2017</a:t>
+              <a:t>09/06/2017</a:t>
             </a:fld>
             <a:endParaRPr lang="en-GB"/>
           </a:p>
@@ -1768,7 +1768,7 @@
           <a:p>
             <a:fld id="{971B3293-45C0-406E-BF69-948F0ACD2DA7}" type="datetimeFigureOut">
               <a:rPr lang="en-GB" smtClean="0"/>
-              <a:t>08/06/2017</a:t>
+              <a:t>09/06/2017</a:t>
             </a:fld>
             <a:endParaRPr lang="en-GB"/>
           </a:p>
@@ -1886,7 +1886,7 @@
           <a:p>
             <a:fld id="{971B3293-45C0-406E-BF69-948F0ACD2DA7}" type="datetimeFigureOut">
               <a:rPr lang="en-GB" smtClean="0"/>
-              <a:t>08/06/2017</a:t>
+              <a:t>09/06/2017</a:t>
             </a:fld>
             <a:endParaRPr lang="en-GB"/>
           </a:p>
@@ -1981,7 +1981,7 @@
           <a:p>
             <a:fld id="{971B3293-45C0-406E-BF69-948F0ACD2DA7}" type="datetimeFigureOut">
               <a:rPr lang="en-GB" smtClean="0"/>
-              <a:t>08/06/2017</a:t>
+              <a:t>09/06/2017</a:t>
             </a:fld>
             <a:endParaRPr lang="en-GB"/>
           </a:p>
@@ -2258,7 +2258,7 @@
           <a:p>
             <a:fld id="{971B3293-45C0-406E-BF69-948F0ACD2DA7}" type="datetimeFigureOut">
               <a:rPr lang="en-GB" smtClean="0"/>
-              <a:t>08/06/2017</a:t>
+              <a:t>09/06/2017</a:t>
             </a:fld>
             <a:endParaRPr lang="en-GB"/>
           </a:p>
@@ -2511,7 +2511,7 @@
           <a:p>
             <a:fld id="{971B3293-45C0-406E-BF69-948F0ACD2DA7}" type="datetimeFigureOut">
               <a:rPr lang="en-GB" smtClean="0"/>
-              <a:t>08/06/2017</a:t>
+              <a:t>09/06/2017</a:t>
             </a:fld>
             <a:endParaRPr lang="en-GB"/>
           </a:p>
@@ -2724,7 +2724,7 @@
           <a:p>
             <a:fld id="{971B3293-45C0-406E-BF69-948F0ACD2DA7}" type="datetimeFigureOut">
               <a:rPr lang="en-GB" smtClean="0"/>
-              <a:t>08/06/2017</a:t>
+              <a:t>09/06/2017</a:t>
             </a:fld>
             <a:endParaRPr lang="en-GB"/>
           </a:p>
@@ -3695,11 +3695,7 @@
           <a:p>
             <a:r>
               <a:rPr lang="en-GB" sz="2400" b="1" dirty="0" smtClean="0"/>
-              <a:t>516 </a:t>
-            </a:r>
-            <a:r>
-              <a:rPr lang="en-GB" sz="2400" b="1" dirty="0" smtClean="0"/>
-              <a:t>Data </a:t>
+              <a:t>516 Data </a:t>
             </a:r>
             <a:r>
               <a:rPr lang="en-GB" sz="2400" b="1" dirty="0" err="1" smtClean="0"/>
@@ -3707,11 +3703,7 @@
             </a:r>
             <a:r>
               <a:rPr lang="en-GB" sz="2400" b="1" dirty="0" smtClean="0"/>
-              <a:t> </a:t>
-            </a:r>
-            <a:r>
-              <a:rPr lang="en-GB" sz="2400" b="1" dirty="0" smtClean="0"/>
-              <a:t>(</a:t>
+              <a:t> (</a:t>
             </a:r>
             <a:r>
               <a:rPr lang="en-GB" sz="2400" b="1" dirty="0" err="1" smtClean="0"/>
@@ -3764,8 +3756,8 @@
         </p:blipFill>
         <p:spPr bwMode="auto">
           <a:xfrm>
-            <a:off x="1708038" y="908720"/>
-            <a:ext cx="5582392" cy="5565501"/>
+            <a:off x="4545918" y="1556792"/>
+            <a:ext cx="4524422" cy="4510732"/>
           </a:xfrm>
           <a:prstGeom prst="rect">
             <a:avLst/>
@@ -3805,6 +3797,130 @@
           </a:extLst>
         </p:spPr>
       </p:pic>
+      <p:pic>
+        <p:nvPicPr>
+          <p:cNvPr id="1026" name="Picture 2"/>
+          <p:cNvPicPr>
+            <a:picLocks noChangeAspect="1" noChangeArrowheads="1"/>
+          </p:cNvPicPr>
+          <p:nvPr/>
+        </p:nvPicPr>
+        <p:blipFill>
+          <a:blip r:embed="rId3">
+            <a:extLst>
+              <a:ext uri="{28A0092B-C50C-407E-A947-70E740481C1C}">
+                <a14:useLocalDpi xmlns:a14="http://schemas.microsoft.com/office/drawing/2010/main" val="0"/>
+              </a:ext>
+            </a:extLst>
+          </a:blip>
+          <a:srcRect/>
+          <a:stretch>
+            <a:fillRect/>
+          </a:stretch>
+        </p:blipFill>
+        <p:spPr bwMode="auto">
+          <a:xfrm>
+            <a:off x="53836" y="1538389"/>
+            <a:ext cx="4440462" cy="4529135"/>
+          </a:xfrm>
+          <a:prstGeom prst="rect">
+            <a:avLst/>
+          </a:prstGeom>
+          <a:noFill/>
+          <a:ln>
+            <a:noFill/>
+          </a:ln>
+          <a:effectLst/>
+          <a:extLst>
+            <a:ext uri="{909E8E84-426E-40DD-AFC4-6F175D3DCCD1}">
+              <a14:hiddenFill xmlns:a14="http://schemas.microsoft.com/office/drawing/2010/main">
+                <a:solidFill>
+                  <a:schemeClr val="accent1"/>
+                </a:solidFill>
+              </a14:hiddenFill>
+            </a:ext>
+            <a:ext uri="{91240B29-F687-4F45-9708-019B960494DF}">
+              <a14:hiddenLine xmlns:a14="http://schemas.microsoft.com/office/drawing/2010/main" w="9525">
+                <a:solidFill>
+                  <a:schemeClr val="tx1"/>
+                </a:solidFill>
+                <a:miter lim="800000"/>
+                <a:headEnd/>
+                <a:tailEnd/>
+              </a14:hiddenLine>
+            </a:ext>
+            <a:ext uri="{AF507438-7753-43E0-B8FC-AC1667EBCBE1}">
+              <a14:hiddenEffects xmlns:a14="http://schemas.microsoft.com/office/drawing/2010/main">
+                <a:effectLst>
+                  <a:outerShdw dist="35921" dir="2700000" algn="ctr" rotWithShape="0">
+                    <a:schemeClr val="bg2"/>
+                  </a:outerShdw>
+                </a:effectLst>
+              </a14:hiddenEffects>
+            </a:ext>
+          </a:extLst>
+        </p:spPr>
+      </p:pic>
+      <p:sp>
+        <p:nvSpPr>
+          <p:cNvPr id="3" name="TextBox 2"/>
+          <p:cNvSpPr txBox="1"/>
+          <p:nvPr/>
+        </p:nvSpPr>
+        <p:spPr>
+          <a:xfrm>
+            <a:off x="1547664" y="1043444"/>
+            <a:ext cx="1127681" cy="369332"/>
+          </a:xfrm>
+          <a:prstGeom prst="rect">
+            <a:avLst/>
+          </a:prstGeom>
+          <a:noFill/>
+        </p:spPr>
+        <p:txBody>
+          <a:bodyPr wrap="none" rtlCol="0">
+            <a:spAutoFit/>
+          </a:bodyPr>
+          <a:lstStyle/>
+          <a:p>
+            <a:r>
+              <a:rPr lang="en-GB" dirty="0" smtClean="0"/>
+              <a:t>RAW Data</a:t>
+            </a:r>
+            <a:endParaRPr lang="en-GB" dirty="0"/>
+          </a:p>
+        </p:txBody>
+      </p:sp>
+      <p:sp>
+        <p:nvSpPr>
+          <p:cNvPr id="6" name="TextBox 5"/>
+          <p:cNvSpPr txBox="1"/>
+          <p:nvPr/>
+        </p:nvSpPr>
+        <p:spPr>
+          <a:xfrm>
+            <a:off x="6234093" y="1011178"/>
+            <a:ext cx="1148071" cy="369332"/>
+          </a:xfrm>
+          <a:prstGeom prst="rect">
+            <a:avLst/>
+          </a:prstGeom>
+          <a:noFill/>
+        </p:spPr>
+        <p:txBody>
+          <a:bodyPr wrap="none" rtlCol="0">
+            <a:spAutoFit/>
+          </a:bodyPr>
+          <a:lstStyle/>
+          <a:p>
+            <a:r>
+              <a:rPr lang="en-GB" dirty="0" smtClean="0"/>
+              <a:t>Clear KBBI</a:t>
+            </a:r>
+            <a:endParaRPr lang="en-GB" dirty="0"/>
+          </a:p>
+        </p:txBody>
+      </p:sp>
     </p:spTree>
     <p:extLst>
       <p:ext uri="{BB962C8B-B14F-4D97-AF65-F5344CB8AC3E}">

--- a/hasil ANN.pptx
+++ b/hasil ANN.pptx
@@ -10,6 +10,7 @@
     <p:sldId id="260" r:id="rId4"/>
     <p:sldId id="258" r:id="rId5"/>
     <p:sldId id="261" r:id="rId6"/>
+    <p:sldId id="262" r:id="rId7"/>
   </p:sldIdLst>
   <p:sldSz cx="9144000" cy="6858000" type="screen4x3"/>
   <p:notesSz cx="6858000" cy="9144000"/>
@@ -292,7 +293,7 @@
           <a:p>
             <a:fld id="{971B3293-45C0-406E-BF69-948F0ACD2DA7}" type="datetimeFigureOut">
               <a:rPr lang="en-GB" smtClean="0"/>
-              <a:t>09/06/2017</a:t>
+              <a:t>10/06/2017</a:t>
             </a:fld>
             <a:endParaRPr lang="en-GB"/>
           </a:p>
@@ -462,7 +463,7 @@
           <a:p>
             <a:fld id="{971B3293-45C0-406E-BF69-948F0ACD2DA7}" type="datetimeFigureOut">
               <a:rPr lang="en-GB" smtClean="0"/>
-              <a:t>09/06/2017</a:t>
+              <a:t>10/06/2017</a:t>
             </a:fld>
             <a:endParaRPr lang="en-GB"/>
           </a:p>
@@ -642,7 +643,7 @@
           <a:p>
             <a:fld id="{971B3293-45C0-406E-BF69-948F0ACD2DA7}" type="datetimeFigureOut">
               <a:rPr lang="en-GB" smtClean="0"/>
-              <a:t>09/06/2017</a:t>
+              <a:t>10/06/2017</a:t>
             </a:fld>
             <a:endParaRPr lang="en-GB"/>
           </a:p>
@@ -812,7 +813,7 @@
           <a:p>
             <a:fld id="{971B3293-45C0-406E-BF69-948F0ACD2DA7}" type="datetimeFigureOut">
               <a:rPr lang="en-GB" smtClean="0"/>
-              <a:t>09/06/2017</a:t>
+              <a:t>10/06/2017</a:t>
             </a:fld>
             <a:endParaRPr lang="en-GB"/>
           </a:p>
@@ -1058,7 +1059,7 @@
           <a:p>
             <a:fld id="{971B3293-45C0-406E-BF69-948F0ACD2DA7}" type="datetimeFigureOut">
               <a:rPr lang="en-GB" smtClean="0"/>
-              <a:t>09/06/2017</a:t>
+              <a:t>10/06/2017</a:t>
             </a:fld>
             <a:endParaRPr lang="en-GB"/>
           </a:p>
@@ -1346,7 +1347,7 @@
           <a:p>
             <a:fld id="{971B3293-45C0-406E-BF69-948F0ACD2DA7}" type="datetimeFigureOut">
               <a:rPr lang="en-GB" smtClean="0"/>
-              <a:t>09/06/2017</a:t>
+              <a:t>10/06/2017</a:t>
             </a:fld>
             <a:endParaRPr lang="en-GB"/>
           </a:p>
@@ -1768,7 +1769,7 @@
           <a:p>
             <a:fld id="{971B3293-45C0-406E-BF69-948F0ACD2DA7}" type="datetimeFigureOut">
               <a:rPr lang="en-GB" smtClean="0"/>
-              <a:t>09/06/2017</a:t>
+              <a:t>10/06/2017</a:t>
             </a:fld>
             <a:endParaRPr lang="en-GB"/>
           </a:p>
@@ -1886,7 +1887,7 @@
           <a:p>
             <a:fld id="{971B3293-45C0-406E-BF69-948F0ACD2DA7}" type="datetimeFigureOut">
               <a:rPr lang="en-GB" smtClean="0"/>
-              <a:t>09/06/2017</a:t>
+              <a:t>10/06/2017</a:t>
             </a:fld>
             <a:endParaRPr lang="en-GB"/>
           </a:p>
@@ -1981,7 +1982,7 @@
           <a:p>
             <a:fld id="{971B3293-45C0-406E-BF69-948F0ACD2DA7}" type="datetimeFigureOut">
               <a:rPr lang="en-GB" smtClean="0"/>
-              <a:t>09/06/2017</a:t>
+              <a:t>10/06/2017</a:t>
             </a:fld>
             <a:endParaRPr lang="en-GB"/>
           </a:p>
@@ -2258,7 +2259,7 @@
           <a:p>
             <a:fld id="{971B3293-45C0-406E-BF69-948F0ACD2DA7}" type="datetimeFigureOut">
               <a:rPr lang="en-GB" smtClean="0"/>
-              <a:t>09/06/2017</a:t>
+              <a:t>10/06/2017</a:t>
             </a:fld>
             <a:endParaRPr lang="en-GB"/>
           </a:p>
@@ -2511,7 +2512,7 @@
           <a:p>
             <a:fld id="{971B3293-45C0-406E-BF69-948F0ACD2DA7}" type="datetimeFigureOut">
               <a:rPr lang="en-GB" smtClean="0"/>
-              <a:t>09/06/2017</a:t>
+              <a:t>10/06/2017</a:t>
             </a:fld>
             <a:endParaRPr lang="en-GB"/>
           </a:p>
@@ -2724,7 +2725,7 @@
           <a:p>
             <a:fld id="{971B3293-45C0-406E-BF69-948F0ACD2DA7}" type="datetimeFigureOut">
               <a:rPr lang="en-GB" smtClean="0"/>
-              <a:t>09/06/2017</a:t>
+              <a:t>10/06/2017</a:t>
             </a:fld>
             <a:endParaRPr lang="en-GB"/>
           </a:p>
@@ -3941,6 +3942,199 @@
 </p:sld>
 </file>
 
+<file path=ppt/slides/slide6.xml><?xml version="1.0" encoding="utf-8"?>
+<p:sld xmlns:a="http://schemas.openxmlformats.org/drawingml/2006/main" xmlns:r="http://schemas.openxmlformats.org/officeDocument/2006/relationships" xmlns:p="http://schemas.openxmlformats.org/presentationml/2006/main">
+  <p:cSld>
+    <p:spTree>
+      <p:nvGrpSpPr>
+        <p:cNvPr id="1" name=""/>
+        <p:cNvGrpSpPr/>
+        <p:nvPr/>
+      </p:nvGrpSpPr>
+      <p:grpSpPr>
+        <a:xfrm>
+          <a:off x="0" y="0"/>
+          <a:ext cx="0" cy="0"/>
+          <a:chOff x="0" y="0"/>
+          <a:chExt cx="0" cy="0"/>
+        </a:xfrm>
+      </p:grpSpPr>
+      <p:sp>
+        <p:nvSpPr>
+          <p:cNvPr id="5" name="TextBox 4"/>
+          <p:cNvSpPr txBox="1"/>
+          <p:nvPr/>
+        </p:nvSpPr>
+        <p:spPr>
+          <a:xfrm>
+            <a:off x="1336927" y="204466"/>
+            <a:ext cx="6314742" cy="461665"/>
+          </a:xfrm>
+          <a:prstGeom prst="rect">
+            <a:avLst/>
+          </a:prstGeom>
+          <a:noFill/>
+        </p:spPr>
+        <p:txBody>
+          <a:bodyPr wrap="none" rtlCol="0">
+            <a:spAutoFit/>
+          </a:bodyPr>
+          <a:lstStyle/>
+          <a:p>
+            <a:r>
+              <a:rPr lang="en-GB" sz="2400" b="1" dirty="0" smtClean="0"/>
+              <a:t>516 Data </a:t>
+            </a:r>
+            <a:r>
+              <a:rPr lang="en-GB" sz="2400" b="1" dirty="0" err="1" smtClean="0"/>
+              <a:t>Acak</a:t>
+            </a:r>
+            <a:r>
+              <a:rPr lang="en-GB" sz="2400" b="1" dirty="0" smtClean="0"/>
+              <a:t> (</a:t>
+            </a:r>
+            <a:r>
+              <a:rPr lang="en-GB" sz="2400" b="1" dirty="0" err="1" smtClean="0"/>
+              <a:t>distribusi</a:t>
+            </a:r>
+            <a:r>
+              <a:rPr lang="en-GB" sz="2400" b="1" dirty="0" smtClean="0"/>
+              <a:t> 172 data </a:t>
+            </a:r>
+            <a:r>
+              <a:rPr lang="en-GB" sz="2400" b="1" dirty="0" err="1" smtClean="0"/>
+              <a:t>masing</a:t>
+            </a:r>
+            <a:r>
+              <a:rPr lang="en-GB" sz="2400" b="1" dirty="0" smtClean="0"/>
+              <a:t> </a:t>
+            </a:r>
+            <a:r>
+              <a:rPr lang="en-GB" sz="2400" b="1" dirty="0" err="1" smtClean="0"/>
+              <a:t>kelas</a:t>
+            </a:r>
+            <a:r>
+              <a:rPr lang="en-GB" sz="2400" b="1" dirty="0" smtClean="0"/>
+              <a:t>)</a:t>
+            </a:r>
+            <a:endParaRPr lang="en-GB" sz="2400" b="1" dirty="0"/>
+          </a:p>
+        </p:txBody>
+      </p:sp>
+      <p:sp>
+        <p:nvSpPr>
+          <p:cNvPr id="6" name="TextBox 5"/>
+          <p:cNvSpPr txBox="1"/>
+          <p:nvPr/>
+        </p:nvSpPr>
+        <p:spPr>
+          <a:xfrm>
+            <a:off x="3920262" y="683206"/>
+            <a:ext cx="841962" cy="369332"/>
+          </a:xfrm>
+          <a:prstGeom prst="rect">
+            <a:avLst/>
+          </a:prstGeom>
+          <a:noFill/>
+        </p:spPr>
+        <p:txBody>
+          <a:bodyPr wrap="none" rtlCol="0">
+            <a:spAutoFit/>
+          </a:bodyPr>
+          <a:lstStyle/>
+          <a:p>
+            <a:r>
+              <a:rPr lang="en-GB" dirty="0" smtClean="0"/>
+              <a:t>Bigram</a:t>
+            </a:r>
+            <a:endParaRPr lang="en-GB" dirty="0"/>
+          </a:p>
+        </p:txBody>
+      </p:sp>
+      <p:pic>
+        <p:nvPicPr>
+          <p:cNvPr id="4" name="Picture 2"/>
+          <p:cNvPicPr>
+            <a:picLocks noChangeAspect="1" noChangeArrowheads="1"/>
+          </p:cNvPicPr>
+          <p:nvPr/>
+        </p:nvPicPr>
+        <p:blipFill>
+          <a:blip r:embed="rId2">
+            <a:extLst>
+              <a:ext uri="{28A0092B-C50C-407E-A947-70E740481C1C}">
+                <a14:useLocalDpi xmlns:a14="http://schemas.microsoft.com/office/drawing/2010/main" val="0"/>
+              </a:ext>
+            </a:extLst>
+          </a:blip>
+          <a:srcRect/>
+          <a:stretch>
+            <a:fillRect/>
+          </a:stretch>
+        </p:blipFill>
+        <p:spPr bwMode="auto">
+          <a:xfrm>
+            <a:off x="1658256" y="1052538"/>
+            <a:ext cx="5365973" cy="5569848"/>
+          </a:xfrm>
+          <a:prstGeom prst="rect">
+            <a:avLst/>
+          </a:prstGeom>
+          <a:noFill/>
+          <a:ln>
+            <a:noFill/>
+          </a:ln>
+          <a:effectLst/>
+          <a:extLst>
+            <a:ext uri="{909E8E84-426E-40DD-AFC4-6F175D3DCCD1}">
+              <a14:hiddenFill xmlns:a14="http://schemas.microsoft.com/office/drawing/2010/main">
+                <a:solidFill>
+                  <a:schemeClr val="accent1"/>
+                </a:solidFill>
+              </a14:hiddenFill>
+            </a:ext>
+            <a:ext uri="{91240B29-F687-4F45-9708-019B960494DF}">
+              <a14:hiddenLine xmlns:a14="http://schemas.microsoft.com/office/drawing/2010/main" w="9525">
+                <a:solidFill>
+                  <a:schemeClr val="tx1"/>
+                </a:solidFill>
+                <a:miter lim="800000"/>
+                <a:headEnd/>
+                <a:tailEnd/>
+              </a14:hiddenLine>
+            </a:ext>
+            <a:ext uri="{AF507438-7753-43E0-B8FC-AC1667EBCBE1}">
+              <a14:hiddenEffects xmlns:a14="http://schemas.microsoft.com/office/drawing/2010/main">
+                <a:effectLst>
+                  <a:outerShdw dist="35921" dir="2700000" algn="ctr" rotWithShape="0">
+                    <a:schemeClr val="bg2"/>
+                  </a:outerShdw>
+                </a:effectLst>
+              </a14:hiddenEffects>
+            </a:ext>
+          </a:extLst>
+        </p:spPr>
+      </p:pic>
+    </p:spTree>
+    <p:extLst>
+      <p:ext uri="{BB962C8B-B14F-4D97-AF65-F5344CB8AC3E}">
+        <p14:creationId xmlns:p14="http://schemas.microsoft.com/office/powerpoint/2010/main" val="2471704683"/>
+      </p:ext>
+    </p:extLst>
+  </p:cSld>
+  <p:clrMapOvr>
+    <a:masterClrMapping/>
+  </p:clrMapOvr>
+  <p:timing>
+    <p:tnLst>
+      <p:par>
+        <p:cTn id="1" dur="indefinite" restart="never" nodeType="tmRoot"/>
+      </p:par>
+    </p:tnLst>
+  </p:timing>
+</p:sld>
+</file>
+
 <file path=ppt/theme/theme1.xml><?xml version="1.0" encoding="utf-8"?>
 <a:theme xmlns:a="http://schemas.openxmlformats.org/drawingml/2006/main" name="Office Theme">
   <a:themeElements>

--- a/hasil ANN.pptx
+++ b/hasil ANN.pptx
@@ -11,6 +11,7 @@
     <p:sldId id="258" r:id="rId5"/>
     <p:sldId id="261" r:id="rId6"/>
     <p:sldId id="262" r:id="rId7"/>
+    <p:sldId id="264" r:id="rId8"/>
   </p:sldIdLst>
   <p:sldSz cx="9144000" cy="6858000" type="screen4x3"/>
   <p:notesSz cx="6858000" cy="9144000"/>
@@ -4029,8 +4030,8 @@
         </p:nvSpPr>
         <p:spPr>
           <a:xfrm>
-            <a:off x="3920262" y="683206"/>
-            <a:ext cx="841962" cy="369332"/>
+            <a:off x="3690199" y="683206"/>
+            <a:ext cx="1608197" cy="369332"/>
           </a:xfrm>
           <a:prstGeom prst="rect">
             <a:avLst/>
@@ -4045,7 +4046,7 @@
           <a:p>
             <a:r>
               <a:rPr lang="en-GB" dirty="0" smtClean="0"/>
-              <a:t>Bigram</a:t>
+              <a:t>Unigram (KBBI)</a:t>
             </a:r>
             <a:endParaRPr lang="en-GB" dirty="0"/>
           </a:p>
@@ -4053,7 +4054,7 @@
       </p:sp>
       <p:pic>
         <p:nvPicPr>
-          <p:cNvPr id="4" name="Picture 2"/>
+          <p:cNvPr id="1026" name="Picture 2"/>
           <p:cNvPicPr>
             <a:picLocks noChangeAspect="1" noChangeArrowheads="1"/>
           </p:cNvPicPr>
@@ -4074,8 +4075,8 @@
         </p:blipFill>
         <p:spPr bwMode="auto">
           <a:xfrm>
-            <a:off x="1658256" y="1052538"/>
-            <a:ext cx="5365973" cy="5569848"/>
+            <a:off x="4788023" y="1651961"/>
+            <a:ext cx="4293347" cy="4510732"/>
           </a:xfrm>
           <a:prstGeom prst="rect">
             <a:avLst/>
@@ -4115,10 +4116,463 @@
           </a:extLst>
         </p:spPr>
       </p:pic>
+      <p:sp>
+        <p:nvSpPr>
+          <p:cNvPr id="7" name="TextBox 6"/>
+          <p:cNvSpPr txBox="1"/>
+          <p:nvPr/>
+        </p:nvSpPr>
+        <p:spPr>
+          <a:xfrm>
+            <a:off x="6015085" y="1052538"/>
+            <a:ext cx="1473480" cy="369332"/>
+          </a:xfrm>
+          <a:prstGeom prst="rect">
+            <a:avLst/>
+          </a:prstGeom>
+          <a:noFill/>
+        </p:spPr>
+        <p:txBody>
+          <a:bodyPr wrap="none" rtlCol="0">
+            <a:spAutoFit/>
+          </a:bodyPr>
+          <a:lstStyle/>
+          <a:p>
+            <a:r>
+              <a:rPr lang="en-GB" dirty="0" smtClean="0"/>
+              <a:t>Input decimal</a:t>
+            </a:r>
+            <a:endParaRPr lang="en-GB" dirty="0"/>
+          </a:p>
+        </p:txBody>
+      </p:sp>
+      <p:pic>
+        <p:nvPicPr>
+          <p:cNvPr id="8" name="Picture 2"/>
+          <p:cNvPicPr>
+            <a:picLocks noChangeAspect="1" noChangeArrowheads="1"/>
+          </p:cNvPicPr>
+          <p:nvPr/>
+        </p:nvPicPr>
+        <p:blipFill>
+          <a:blip r:embed="rId3">
+            <a:extLst>
+              <a:ext uri="{28A0092B-C50C-407E-A947-70E740481C1C}">
+                <a14:useLocalDpi xmlns:a14="http://schemas.microsoft.com/office/drawing/2010/main" val="0"/>
+              </a:ext>
+            </a:extLst>
+          </a:blip>
+          <a:srcRect/>
+          <a:stretch>
+            <a:fillRect/>
+          </a:stretch>
+        </p:blipFill>
+        <p:spPr bwMode="auto">
+          <a:xfrm>
+            <a:off x="107504" y="1651961"/>
+            <a:ext cx="4524422" cy="4510732"/>
+          </a:xfrm>
+          <a:prstGeom prst="rect">
+            <a:avLst/>
+          </a:prstGeom>
+          <a:noFill/>
+          <a:ln>
+            <a:noFill/>
+          </a:ln>
+          <a:effectLst/>
+          <a:extLst>
+            <a:ext uri="{909E8E84-426E-40DD-AFC4-6F175D3DCCD1}">
+              <a14:hiddenFill xmlns:a14="http://schemas.microsoft.com/office/drawing/2010/main">
+                <a:solidFill>
+                  <a:schemeClr val="accent1"/>
+                </a:solidFill>
+              </a14:hiddenFill>
+            </a:ext>
+            <a:ext uri="{91240B29-F687-4F45-9708-019B960494DF}">
+              <a14:hiddenLine xmlns:a14="http://schemas.microsoft.com/office/drawing/2010/main" w="9525">
+                <a:solidFill>
+                  <a:schemeClr val="tx1"/>
+                </a:solidFill>
+                <a:miter lim="800000"/>
+                <a:headEnd/>
+                <a:tailEnd/>
+              </a14:hiddenLine>
+            </a:ext>
+            <a:ext uri="{AF507438-7753-43E0-B8FC-AC1667EBCBE1}">
+              <a14:hiddenEffects xmlns:a14="http://schemas.microsoft.com/office/drawing/2010/main">
+                <a:effectLst>
+                  <a:outerShdw dist="35921" dir="2700000" algn="ctr" rotWithShape="0">
+                    <a:schemeClr val="bg2"/>
+                  </a:outerShdw>
+                </a:effectLst>
+              </a14:hiddenEffects>
+            </a:ext>
+          </a:extLst>
+        </p:spPr>
+      </p:pic>
+      <p:sp>
+        <p:nvSpPr>
+          <p:cNvPr id="9" name="TextBox 8"/>
+          <p:cNvSpPr txBox="1"/>
+          <p:nvPr/>
+        </p:nvSpPr>
+        <p:spPr>
+          <a:xfrm>
+            <a:off x="1754803" y="1052538"/>
+            <a:ext cx="1229824" cy="369332"/>
+          </a:xfrm>
+          <a:prstGeom prst="rect">
+            <a:avLst/>
+          </a:prstGeom>
+          <a:noFill/>
+        </p:spPr>
+        <p:txBody>
+          <a:bodyPr wrap="none" rtlCol="0">
+            <a:spAutoFit/>
+          </a:bodyPr>
+          <a:lstStyle/>
+          <a:p>
+            <a:r>
+              <a:rPr lang="en-GB" dirty="0" smtClean="0"/>
+              <a:t>Input </a:t>
+            </a:r>
+            <a:r>
+              <a:rPr lang="en-GB" dirty="0" err="1" smtClean="0"/>
+              <a:t>biner</a:t>
+            </a:r>
+            <a:endParaRPr lang="en-GB" dirty="0"/>
+          </a:p>
+        </p:txBody>
+      </p:sp>
     </p:spTree>
     <p:extLst>
       <p:ext uri="{BB962C8B-B14F-4D97-AF65-F5344CB8AC3E}">
         <p14:creationId xmlns:p14="http://schemas.microsoft.com/office/powerpoint/2010/main" val="2471704683"/>
+      </p:ext>
+    </p:extLst>
+  </p:cSld>
+  <p:clrMapOvr>
+    <a:masterClrMapping/>
+  </p:clrMapOvr>
+  <p:timing>
+    <p:tnLst>
+      <p:par>
+        <p:cTn id="1" dur="indefinite" restart="never" nodeType="tmRoot"/>
+      </p:par>
+    </p:tnLst>
+  </p:timing>
+</p:sld>
+</file>
+
+<file path=ppt/slides/slide7.xml><?xml version="1.0" encoding="utf-8"?>
+<p:sld xmlns:a="http://schemas.openxmlformats.org/drawingml/2006/main" xmlns:r="http://schemas.openxmlformats.org/officeDocument/2006/relationships" xmlns:p="http://schemas.openxmlformats.org/presentationml/2006/main">
+  <p:cSld>
+    <p:spTree>
+      <p:nvGrpSpPr>
+        <p:cNvPr id="1" name=""/>
+        <p:cNvGrpSpPr/>
+        <p:nvPr/>
+      </p:nvGrpSpPr>
+      <p:grpSpPr>
+        <a:xfrm>
+          <a:off x="0" y="0"/>
+          <a:ext cx="0" cy="0"/>
+          <a:chOff x="0" y="0"/>
+          <a:chExt cx="0" cy="0"/>
+        </a:xfrm>
+      </p:grpSpPr>
+      <p:sp>
+        <p:nvSpPr>
+          <p:cNvPr id="5" name="TextBox 4"/>
+          <p:cNvSpPr txBox="1"/>
+          <p:nvPr/>
+        </p:nvSpPr>
+        <p:spPr>
+          <a:xfrm>
+            <a:off x="1336927" y="204466"/>
+            <a:ext cx="6314742" cy="461665"/>
+          </a:xfrm>
+          <a:prstGeom prst="rect">
+            <a:avLst/>
+          </a:prstGeom>
+          <a:noFill/>
+        </p:spPr>
+        <p:txBody>
+          <a:bodyPr wrap="none" rtlCol="0">
+            <a:spAutoFit/>
+          </a:bodyPr>
+          <a:lstStyle/>
+          <a:p>
+            <a:r>
+              <a:rPr lang="en-GB" sz="2400" b="1" dirty="0" smtClean="0"/>
+              <a:t>516 Data </a:t>
+            </a:r>
+            <a:r>
+              <a:rPr lang="en-GB" sz="2400" b="1" dirty="0" err="1" smtClean="0"/>
+              <a:t>Acak</a:t>
+            </a:r>
+            <a:r>
+              <a:rPr lang="en-GB" sz="2400" b="1" dirty="0" smtClean="0"/>
+              <a:t> (</a:t>
+            </a:r>
+            <a:r>
+              <a:rPr lang="en-GB" sz="2400" b="1" dirty="0" err="1" smtClean="0"/>
+              <a:t>distribusi</a:t>
+            </a:r>
+            <a:r>
+              <a:rPr lang="en-GB" sz="2400" b="1" dirty="0" smtClean="0"/>
+              <a:t> 172 data </a:t>
+            </a:r>
+            <a:r>
+              <a:rPr lang="en-GB" sz="2400" b="1" dirty="0" err="1" smtClean="0"/>
+              <a:t>masing</a:t>
+            </a:r>
+            <a:r>
+              <a:rPr lang="en-GB" sz="2400" b="1" dirty="0" smtClean="0"/>
+              <a:t> </a:t>
+            </a:r>
+            <a:r>
+              <a:rPr lang="en-GB" sz="2400" b="1" dirty="0" err="1" smtClean="0"/>
+              <a:t>kelas</a:t>
+            </a:r>
+            <a:r>
+              <a:rPr lang="en-GB" sz="2400" b="1" dirty="0" smtClean="0"/>
+              <a:t>)</a:t>
+            </a:r>
+            <a:endParaRPr lang="en-GB" sz="2400" b="1" dirty="0"/>
+          </a:p>
+        </p:txBody>
+      </p:sp>
+      <p:sp>
+        <p:nvSpPr>
+          <p:cNvPr id="6" name="TextBox 5"/>
+          <p:cNvSpPr txBox="1"/>
+          <p:nvPr/>
+        </p:nvSpPr>
+        <p:spPr>
+          <a:xfrm>
+            <a:off x="3690199" y="683206"/>
+            <a:ext cx="1463927" cy="369332"/>
+          </a:xfrm>
+          <a:prstGeom prst="rect">
+            <a:avLst/>
+          </a:prstGeom>
+          <a:noFill/>
+        </p:spPr>
+        <p:txBody>
+          <a:bodyPr wrap="none" rtlCol="0">
+            <a:spAutoFit/>
+          </a:bodyPr>
+          <a:lstStyle/>
+          <a:p>
+            <a:r>
+              <a:rPr lang="en-GB" dirty="0"/>
+              <a:t>B</a:t>
+            </a:r>
+            <a:r>
+              <a:rPr lang="en-GB" dirty="0" smtClean="0"/>
+              <a:t>igram (KBBI)</a:t>
+            </a:r>
+            <a:endParaRPr lang="en-GB" dirty="0"/>
+          </a:p>
+        </p:txBody>
+      </p:sp>
+      <p:sp>
+        <p:nvSpPr>
+          <p:cNvPr id="7" name="TextBox 6"/>
+          <p:cNvSpPr txBox="1"/>
+          <p:nvPr/>
+        </p:nvSpPr>
+        <p:spPr>
+          <a:xfrm>
+            <a:off x="6015085" y="1052538"/>
+            <a:ext cx="1473480" cy="369332"/>
+          </a:xfrm>
+          <a:prstGeom prst="rect">
+            <a:avLst/>
+          </a:prstGeom>
+          <a:noFill/>
+        </p:spPr>
+        <p:txBody>
+          <a:bodyPr wrap="none" rtlCol="0">
+            <a:spAutoFit/>
+          </a:bodyPr>
+          <a:lstStyle/>
+          <a:p>
+            <a:r>
+              <a:rPr lang="en-GB" dirty="0" smtClean="0"/>
+              <a:t>Input decimal</a:t>
+            </a:r>
+            <a:endParaRPr lang="en-GB" dirty="0"/>
+          </a:p>
+        </p:txBody>
+      </p:sp>
+      <p:sp>
+        <p:nvSpPr>
+          <p:cNvPr id="9" name="TextBox 8"/>
+          <p:cNvSpPr txBox="1"/>
+          <p:nvPr/>
+        </p:nvSpPr>
+        <p:spPr>
+          <a:xfrm>
+            <a:off x="1754803" y="1052538"/>
+            <a:ext cx="1229824" cy="369332"/>
+          </a:xfrm>
+          <a:prstGeom prst="rect">
+            <a:avLst/>
+          </a:prstGeom>
+          <a:noFill/>
+        </p:spPr>
+        <p:txBody>
+          <a:bodyPr wrap="none" rtlCol="0">
+            <a:spAutoFit/>
+          </a:bodyPr>
+          <a:lstStyle/>
+          <a:p>
+            <a:r>
+              <a:rPr lang="en-GB" dirty="0" smtClean="0"/>
+              <a:t>Input </a:t>
+            </a:r>
+            <a:r>
+              <a:rPr lang="en-GB" dirty="0" err="1" smtClean="0"/>
+              <a:t>biner</a:t>
+            </a:r>
+            <a:endParaRPr lang="en-GB" dirty="0"/>
+          </a:p>
+        </p:txBody>
+      </p:sp>
+      <p:pic>
+        <p:nvPicPr>
+          <p:cNvPr id="2050" name="Picture 2"/>
+          <p:cNvPicPr>
+            <a:picLocks noChangeAspect="1" noChangeArrowheads="1"/>
+          </p:cNvPicPr>
+          <p:nvPr/>
+        </p:nvPicPr>
+        <p:blipFill>
+          <a:blip r:embed="rId2">
+            <a:extLst>
+              <a:ext uri="{28A0092B-C50C-407E-A947-70E740481C1C}">
+                <a14:useLocalDpi xmlns:a14="http://schemas.microsoft.com/office/drawing/2010/main" val="0"/>
+              </a:ext>
+            </a:extLst>
+          </a:blip>
+          <a:srcRect/>
+          <a:stretch>
+            <a:fillRect/>
+          </a:stretch>
+        </p:blipFill>
+        <p:spPr bwMode="auto">
+          <a:xfrm>
+            <a:off x="132744" y="1697341"/>
+            <a:ext cx="4361554" cy="4570909"/>
+          </a:xfrm>
+          <a:prstGeom prst="rect">
+            <a:avLst/>
+          </a:prstGeom>
+          <a:noFill/>
+          <a:ln>
+            <a:noFill/>
+          </a:ln>
+          <a:effectLst/>
+          <a:extLst>
+            <a:ext uri="{909E8E84-426E-40DD-AFC4-6F175D3DCCD1}">
+              <a14:hiddenFill xmlns:a14="http://schemas.microsoft.com/office/drawing/2010/main">
+                <a:solidFill>
+                  <a:schemeClr val="accent1"/>
+                </a:solidFill>
+              </a14:hiddenFill>
+            </a:ext>
+            <a:ext uri="{91240B29-F687-4F45-9708-019B960494DF}">
+              <a14:hiddenLine xmlns:a14="http://schemas.microsoft.com/office/drawing/2010/main" w="9525">
+                <a:solidFill>
+                  <a:schemeClr val="tx1"/>
+                </a:solidFill>
+                <a:miter lim="800000"/>
+                <a:headEnd/>
+                <a:tailEnd/>
+              </a14:hiddenLine>
+            </a:ext>
+            <a:ext uri="{AF507438-7753-43E0-B8FC-AC1667EBCBE1}">
+              <a14:hiddenEffects xmlns:a14="http://schemas.microsoft.com/office/drawing/2010/main">
+                <a:effectLst>
+                  <a:outerShdw dist="35921" dir="2700000" algn="ctr" rotWithShape="0">
+                    <a:schemeClr val="bg2"/>
+                  </a:outerShdw>
+                </a:effectLst>
+              </a14:hiddenEffects>
+            </a:ext>
+          </a:extLst>
+        </p:spPr>
+      </p:pic>
+      <p:pic>
+        <p:nvPicPr>
+          <p:cNvPr id="10" name="Picture 2"/>
+          <p:cNvPicPr>
+            <a:picLocks noChangeAspect="1" noChangeArrowheads="1"/>
+          </p:cNvPicPr>
+          <p:nvPr/>
+        </p:nvPicPr>
+        <p:blipFill>
+          <a:blip r:embed="rId3">
+            <a:extLst>
+              <a:ext uri="{28A0092B-C50C-407E-A947-70E740481C1C}">
+                <a14:useLocalDpi xmlns:a14="http://schemas.microsoft.com/office/drawing/2010/main" val="0"/>
+              </a:ext>
+            </a:extLst>
+          </a:blip>
+          <a:srcRect/>
+          <a:stretch>
+            <a:fillRect/>
+          </a:stretch>
+        </p:blipFill>
+        <p:spPr bwMode="auto">
+          <a:xfrm>
+            <a:off x="4550492" y="1672029"/>
+            <a:ext cx="4427984" cy="4596221"/>
+          </a:xfrm>
+          <a:prstGeom prst="rect">
+            <a:avLst/>
+          </a:prstGeom>
+          <a:noFill/>
+          <a:ln>
+            <a:noFill/>
+          </a:ln>
+          <a:effectLst/>
+          <a:extLst>
+            <a:ext uri="{909E8E84-426E-40DD-AFC4-6F175D3DCCD1}">
+              <a14:hiddenFill xmlns:a14="http://schemas.microsoft.com/office/drawing/2010/main">
+                <a:solidFill>
+                  <a:schemeClr val="accent1"/>
+                </a:solidFill>
+              </a14:hiddenFill>
+            </a:ext>
+            <a:ext uri="{91240B29-F687-4F45-9708-019B960494DF}">
+              <a14:hiddenLine xmlns:a14="http://schemas.microsoft.com/office/drawing/2010/main" w="9525">
+                <a:solidFill>
+                  <a:schemeClr val="tx1"/>
+                </a:solidFill>
+                <a:miter lim="800000"/>
+                <a:headEnd/>
+                <a:tailEnd/>
+              </a14:hiddenLine>
+            </a:ext>
+            <a:ext uri="{AF507438-7753-43E0-B8FC-AC1667EBCBE1}">
+              <a14:hiddenEffects xmlns:a14="http://schemas.microsoft.com/office/drawing/2010/main">
+                <a:effectLst>
+                  <a:outerShdw dist="35921" dir="2700000" algn="ctr" rotWithShape="0">
+                    <a:schemeClr val="bg2"/>
+                  </a:outerShdw>
+                </a:effectLst>
+              </a14:hiddenEffects>
+            </a:ext>
+          </a:extLst>
+        </p:spPr>
+      </p:pic>
+    </p:spTree>
+    <p:extLst>
+      <p:ext uri="{BB962C8B-B14F-4D97-AF65-F5344CB8AC3E}">
+        <p14:creationId xmlns:p14="http://schemas.microsoft.com/office/powerpoint/2010/main" val="619748206"/>
       </p:ext>
     </p:extLst>
   </p:cSld>

--- a/hasil ANN.pptx
+++ b/hasil ANN.pptx
@@ -12,6 +12,7 @@
     <p:sldId id="261" r:id="rId6"/>
     <p:sldId id="262" r:id="rId7"/>
     <p:sldId id="264" r:id="rId8"/>
+    <p:sldId id="265" r:id="rId9"/>
   </p:sldIdLst>
   <p:sldSz cx="9144000" cy="6858000" type="screen4x3"/>
   <p:notesSz cx="6858000" cy="9144000"/>
@@ -294,7 +295,7 @@
           <a:p>
             <a:fld id="{971B3293-45C0-406E-BF69-948F0ACD2DA7}" type="datetimeFigureOut">
               <a:rPr lang="en-GB" smtClean="0"/>
-              <a:t>10/06/2017</a:t>
+              <a:t>11/06/2017</a:t>
             </a:fld>
             <a:endParaRPr lang="en-GB"/>
           </a:p>
@@ -464,7 +465,7 @@
           <a:p>
             <a:fld id="{971B3293-45C0-406E-BF69-948F0ACD2DA7}" type="datetimeFigureOut">
               <a:rPr lang="en-GB" smtClean="0"/>
-              <a:t>10/06/2017</a:t>
+              <a:t>11/06/2017</a:t>
             </a:fld>
             <a:endParaRPr lang="en-GB"/>
           </a:p>
@@ -644,7 +645,7 @@
           <a:p>
             <a:fld id="{971B3293-45C0-406E-BF69-948F0ACD2DA7}" type="datetimeFigureOut">
               <a:rPr lang="en-GB" smtClean="0"/>
-              <a:t>10/06/2017</a:t>
+              <a:t>11/06/2017</a:t>
             </a:fld>
             <a:endParaRPr lang="en-GB"/>
           </a:p>
@@ -814,7 +815,7 @@
           <a:p>
             <a:fld id="{971B3293-45C0-406E-BF69-948F0ACD2DA7}" type="datetimeFigureOut">
               <a:rPr lang="en-GB" smtClean="0"/>
-              <a:t>10/06/2017</a:t>
+              <a:t>11/06/2017</a:t>
             </a:fld>
             <a:endParaRPr lang="en-GB"/>
           </a:p>
@@ -1060,7 +1061,7 @@
           <a:p>
             <a:fld id="{971B3293-45C0-406E-BF69-948F0ACD2DA7}" type="datetimeFigureOut">
               <a:rPr lang="en-GB" smtClean="0"/>
-              <a:t>10/06/2017</a:t>
+              <a:t>11/06/2017</a:t>
             </a:fld>
             <a:endParaRPr lang="en-GB"/>
           </a:p>
@@ -1348,7 +1349,7 @@
           <a:p>
             <a:fld id="{971B3293-45C0-406E-BF69-948F0ACD2DA7}" type="datetimeFigureOut">
               <a:rPr lang="en-GB" smtClean="0"/>
-              <a:t>10/06/2017</a:t>
+              <a:t>11/06/2017</a:t>
             </a:fld>
             <a:endParaRPr lang="en-GB"/>
           </a:p>
@@ -1770,7 +1771,7 @@
           <a:p>
             <a:fld id="{971B3293-45C0-406E-BF69-948F0ACD2DA7}" type="datetimeFigureOut">
               <a:rPr lang="en-GB" smtClean="0"/>
-              <a:t>10/06/2017</a:t>
+              <a:t>11/06/2017</a:t>
             </a:fld>
             <a:endParaRPr lang="en-GB"/>
           </a:p>
@@ -1888,7 +1889,7 @@
           <a:p>
             <a:fld id="{971B3293-45C0-406E-BF69-948F0ACD2DA7}" type="datetimeFigureOut">
               <a:rPr lang="en-GB" smtClean="0"/>
-              <a:t>10/06/2017</a:t>
+              <a:t>11/06/2017</a:t>
             </a:fld>
             <a:endParaRPr lang="en-GB"/>
           </a:p>
@@ -1983,7 +1984,7 @@
           <a:p>
             <a:fld id="{971B3293-45C0-406E-BF69-948F0ACD2DA7}" type="datetimeFigureOut">
               <a:rPr lang="en-GB" smtClean="0"/>
-              <a:t>10/06/2017</a:t>
+              <a:t>11/06/2017</a:t>
             </a:fld>
             <a:endParaRPr lang="en-GB"/>
           </a:p>
@@ -2260,7 +2261,7 @@
           <a:p>
             <a:fld id="{971B3293-45C0-406E-BF69-948F0ACD2DA7}" type="datetimeFigureOut">
               <a:rPr lang="en-GB" smtClean="0"/>
-              <a:t>10/06/2017</a:t>
+              <a:t>11/06/2017</a:t>
             </a:fld>
             <a:endParaRPr lang="en-GB"/>
           </a:p>
@@ -2513,7 +2514,7 @@
           <a:p>
             <a:fld id="{971B3293-45C0-406E-BF69-948F0ACD2DA7}" type="datetimeFigureOut">
               <a:rPr lang="en-GB" smtClean="0"/>
-              <a:t>10/06/2017</a:t>
+              <a:t>11/06/2017</a:t>
             </a:fld>
             <a:endParaRPr lang="en-GB"/>
           </a:p>
@@ -2726,7 +2727,7 @@
           <a:p>
             <a:fld id="{971B3293-45C0-406E-BF69-948F0ACD2DA7}" type="datetimeFigureOut">
               <a:rPr lang="en-GB" smtClean="0"/>
-              <a:t>10/06/2017</a:t>
+              <a:t>11/06/2017</a:t>
             </a:fld>
             <a:endParaRPr lang="en-GB"/>
           </a:p>
@@ -4589,6 +4590,335 @@
 </p:sld>
 </file>
 
+<file path=ppt/slides/slide8.xml><?xml version="1.0" encoding="utf-8"?>
+<p:sld xmlns:a="http://schemas.openxmlformats.org/drawingml/2006/main" xmlns:r="http://schemas.openxmlformats.org/officeDocument/2006/relationships" xmlns:p="http://schemas.openxmlformats.org/presentationml/2006/main">
+  <p:cSld>
+    <p:spTree>
+      <p:nvGrpSpPr>
+        <p:cNvPr id="1" name=""/>
+        <p:cNvGrpSpPr/>
+        <p:nvPr/>
+      </p:nvGrpSpPr>
+      <p:grpSpPr>
+        <a:xfrm>
+          <a:off x="0" y="0"/>
+          <a:ext cx="0" cy="0"/>
+          <a:chOff x="0" y="0"/>
+          <a:chExt cx="0" cy="0"/>
+        </a:xfrm>
+      </p:grpSpPr>
+      <p:sp>
+        <p:nvSpPr>
+          <p:cNvPr id="5" name="TextBox 4"/>
+          <p:cNvSpPr txBox="1"/>
+          <p:nvPr/>
+        </p:nvSpPr>
+        <p:spPr>
+          <a:xfrm>
+            <a:off x="1336927" y="204466"/>
+            <a:ext cx="6314742" cy="461665"/>
+          </a:xfrm>
+          <a:prstGeom prst="rect">
+            <a:avLst/>
+          </a:prstGeom>
+          <a:noFill/>
+        </p:spPr>
+        <p:txBody>
+          <a:bodyPr wrap="none" rtlCol="0">
+            <a:spAutoFit/>
+          </a:bodyPr>
+          <a:lstStyle/>
+          <a:p>
+            <a:r>
+              <a:rPr lang="en-GB" sz="2400" b="1" dirty="0" smtClean="0"/>
+              <a:t>516 Data </a:t>
+            </a:r>
+            <a:r>
+              <a:rPr lang="en-GB" sz="2400" b="1" dirty="0" err="1" smtClean="0"/>
+              <a:t>Acak</a:t>
+            </a:r>
+            <a:r>
+              <a:rPr lang="en-GB" sz="2400" b="1" dirty="0" smtClean="0"/>
+              <a:t> (</a:t>
+            </a:r>
+            <a:r>
+              <a:rPr lang="en-GB" sz="2400" b="1" dirty="0" err="1" smtClean="0"/>
+              <a:t>distribusi</a:t>
+            </a:r>
+            <a:r>
+              <a:rPr lang="en-GB" sz="2400" b="1" dirty="0" smtClean="0"/>
+              <a:t> 172 data </a:t>
+            </a:r>
+            <a:r>
+              <a:rPr lang="en-GB" sz="2400" b="1" dirty="0" err="1" smtClean="0"/>
+              <a:t>masing</a:t>
+            </a:r>
+            <a:r>
+              <a:rPr lang="en-GB" sz="2400" b="1" dirty="0" smtClean="0"/>
+              <a:t> </a:t>
+            </a:r>
+            <a:r>
+              <a:rPr lang="en-GB" sz="2400" b="1" dirty="0" err="1" smtClean="0"/>
+              <a:t>kelas</a:t>
+            </a:r>
+            <a:r>
+              <a:rPr lang="en-GB" sz="2400" b="1" dirty="0" smtClean="0"/>
+              <a:t>)</a:t>
+            </a:r>
+            <a:endParaRPr lang="en-GB" sz="2400" b="1" dirty="0"/>
+          </a:p>
+        </p:txBody>
+      </p:sp>
+      <p:sp>
+        <p:nvSpPr>
+          <p:cNvPr id="6" name="TextBox 5"/>
+          <p:cNvSpPr txBox="1"/>
+          <p:nvPr/>
+        </p:nvSpPr>
+        <p:spPr>
+          <a:xfrm>
+            <a:off x="3690199" y="683206"/>
+            <a:ext cx="1516954" cy="369332"/>
+          </a:xfrm>
+          <a:prstGeom prst="rect">
+            <a:avLst/>
+          </a:prstGeom>
+          <a:noFill/>
+        </p:spPr>
+        <p:txBody>
+          <a:bodyPr wrap="none" rtlCol="0">
+            <a:spAutoFit/>
+          </a:bodyPr>
+          <a:lstStyle/>
+          <a:p>
+            <a:r>
+              <a:rPr lang="en-GB" dirty="0" smtClean="0"/>
+              <a:t>Tr</a:t>
+            </a:r>
+            <a:r>
+              <a:rPr lang="en-GB" dirty="0" smtClean="0"/>
+              <a:t>igram </a:t>
+            </a:r>
+            <a:r>
+              <a:rPr lang="en-GB" dirty="0" smtClean="0"/>
+              <a:t>(KBBI)</a:t>
+            </a:r>
+            <a:endParaRPr lang="en-GB" dirty="0"/>
+          </a:p>
+        </p:txBody>
+      </p:sp>
+      <p:sp>
+        <p:nvSpPr>
+          <p:cNvPr id="7" name="TextBox 6"/>
+          <p:cNvSpPr txBox="1"/>
+          <p:nvPr/>
+        </p:nvSpPr>
+        <p:spPr>
+          <a:xfrm>
+            <a:off x="6015085" y="1052538"/>
+            <a:ext cx="1473480" cy="369332"/>
+          </a:xfrm>
+          <a:prstGeom prst="rect">
+            <a:avLst/>
+          </a:prstGeom>
+          <a:noFill/>
+        </p:spPr>
+        <p:txBody>
+          <a:bodyPr wrap="none" rtlCol="0">
+            <a:spAutoFit/>
+          </a:bodyPr>
+          <a:lstStyle/>
+          <a:p>
+            <a:r>
+              <a:rPr lang="en-GB" dirty="0" smtClean="0"/>
+              <a:t>Input decimal</a:t>
+            </a:r>
+            <a:endParaRPr lang="en-GB" dirty="0"/>
+          </a:p>
+        </p:txBody>
+      </p:sp>
+      <p:sp>
+        <p:nvSpPr>
+          <p:cNvPr id="9" name="TextBox 8"/>
+          <p:cNvSpPr txBox="1"/>
+          <p:nvPr/>
+        </p:nvSpPr>
+        <p:spPr>
+          <a:xfrm>
+            <a:off x="1754803" y="1052538"/>
+            <a:ext cx="1229824" cy="369332"/>
+          </a:xfrm>
+          <a:prstGeom prst="rect">
+            <a:avLst/>
+          </a:prstGeom>
+          <a:noFill/>
+        </p:spPr>
+        <p:txBody>
+          <a:bodyPr wrap="none" rtlCol="0">
+            <a:spAutoFit/>
+          </a:bodyPr>
+          <a:lstStyle/>
+          <a:p>
+            <a:r>
+              <a:rPr lang="en-GB" dirty="0" smtClean="0"/>
+              <a:t>Input </a:t>
+            </a:r>
+            <a:r>
+              <a:rPr lang="en-GB" dirty="0" err="1" smtClean="0"/>
+              <a:t>biner</a:t>
+            </a:r>
+            <a:endParaRPr lang="en-GB" dirty="0"/>
+          </a:p>
+        </p:txBody>
+      </p:sp>
+      <p:pic>
+        <p:nvPicPr>
+          <p:cNvPr id="1026" name="Picture 2"/>
+          <p:cNvPicPr>
+            <a:picLocks noChangeAspect="1" noChangeArrowheads="1"/>
+          </p:cNvPicPr>
+          <p:nvPr/>
+        </p:nvPicPr>
+        <p:blipFill>
+          <a:blip r:embed="rId2">
+            <a:extLst>
+              <a:ext uri="{28A0092B-C50C-407E-A947-70E740481C1C}">
+                <a14:useLocalDpi xmlns:a14="http://schemas.microsoft.com/office/drawing/2010/main" val="0"/>
+              </a:ext>
+            </a:extLst>
+          </a:blip>
+          <a:srcRect/>
+          <a:stretch>
+            <a:fillRect/>
+          </a:stretch>
+        </p:blipFill>
+        <p:spPr bwMode="auto">
+          <a:xfrm>
+            <a:off x="102961" y="1689541"/>
+            <a:ext cx="4391337" cy="4596221"/>
+          </a:xfrm>
+          <a:prstGeom prst="rect">
+            <a:avLst/>
+          </a:prstGeom>
+          <a:noFill/>
+          <a:ln>
+            <a:noFill/>
+          </a:ln>
+          <a:effectLst/>
+          <a:extLst>
+            <a:ext uri="{909E8E84-426E-40DD-AFC4-6F175D3DCCD1}">
+              <a14:hiddenFill xmlns:a14="http://schemas.microsoft.com/office/drawing/2010/main">
+                <a:solidFill>
+                  <a:schemeClr val="accent1"/>
+                </a:solidFill>
+              </a14:hiddenFill>
+            </a:ext>
+            <a:ext uri="{91240B29-F687-4F45-9708-019B960494DF}">
+              <a14:hiddenLine xmlns:a14="http://schemas.microsoft.com/office/drawing/2010/main" w="9525">
+                <a:solidFill>
+                  <a:schemeClr val="tx1"/>
+                </a:solidFill>
+                <a:miter lim="800000"/>
+                <a:headEnd/>
+                <a:tailEnd/>
+              </a14:hiddenLine>
+            </a:ext>
+            <a:ext uri="{AF507438-7753-43E0-B8FC-AC1667EBCBE1}">
+              <a14:hiddenEffects xmlns:a14="http://schemas.microsoft.com/office/drawing/2010/main">
+                <a:effectLst>
+                  <a:outerShdw dist="35921" dir="2700000" algn="ctr" rotWithShape="0">
+                    <a:schemeClr val="bg2"/>
+                  </a:outerShdw>
+                </a:effectLst>
+              </a14:hiddenEffects>
+            </a:ext>
+          </a:extLst>
+        </p:spPr>
+      </p:pic>
+      <p:pic>
+        <p:nvPicPr>
+          <p:cNvPr id="1027" name="Picture 3"/>
+          <p:cNvPicPr>
+            <a:picLocks noChangeAspect="1" noChangeArrowheads="1"/>
+          </p:cNvPicPr>
+          <p:nvPr/>
+        </p:nvPicPr>
+        <p:blipFill>
+          <a:blip r:embed="rId3">
+            <a:extLst>
+              <a:ext uri="{28A0092B-C50C-407E-A947-70E740481C1C}">
+                <a14:useLocalDpi xmlns:a14="http://schemas.microsoft.com/office/drawing/2010/main" val="0"/>
+              </a:ext>
+            </a:extLst>
+          </a:blip>
+          <a:srcRect/>
+          <a:stretch>
+            <a:fillRect/>
+          </a:stretch>
+        </p:blipFill>
+        <p:spPr bwMode="auto">
+          <a:xfrm>
+            <a:off x="4560363" y="1689540"/>
+            <a:ext cx="4382923" cy="4596221"/>
+          </a:xfrm>
+          <a:prstGeom prst="rect">
+            <a:avLst/>
+          </a:prstGeom>
+          <a:noFill/>
+          <a:ln>
+            <a:noFill/>
+          </a:ln>
+          <a:effectLst/>
+          <a:extLst>
+            <a:ext uri="{909E8E84-426E-40DD-AFC4-6F175D3DCCD1}">
+              <a14:hiddenFill xmlns:a14="http://schemas.microsoft.com/office/drawing/2010/main">
+                <a:solidFill>
+                  <a:schemeClr val="accent1"/>
+                </a:solidFill>
+              </a14:hiddenFill>
+            </a:ext>
+            <a:ext uri="{91240B29-F687-4F45-9708-019B960494DF}">
+              <a14:hiddenLine xmlns:a14="http://schemas.microsoft.com/office/drawing/2010/main" w="9525">
+                <a:solidFill>
+                  <a:schemeClr val="tx1"/>
+                </a:solidFill>
+                <a:miter lim="800000"/>
+                <a:headEnd/>
+                <a:tailEnd/>
+              </a14:hiddenLine>
+            </a:ext>
+            <a:ext uri="{AF507438-7753-43E0-B8FC-AC1667EBCBE1}">
+              <a14:hiddenEffects xmlns:a14="http://schemas.microsoft.com/office/drawing/2010/main">
+                <a:effectLst>
+                  <a:outerShdw dist="35921" dir="2700000" algn="ctr" rotWithShape="0">
+                    <a:schemeClr val="bg2"/>
+                  </a:outerShdw>
+                </a:effectLst>
+              </a14:hiddenEffects>
+            </a:ext>
+          </a:extLst>
+        </p:spPr>
+      </p:pic>
+    </p:spTree>
+    <p:extLst>
+      <p:ext uri="{BB962C8B-B14F-4D97-AF65-F5344CB8AC3E}">
+        <p14:creationId xmlns:p14="http://schemas.microsoft.com/office/powerpoint/2010/main" val="3771710553"/>
+      </p:ext>
+    </p:extLst>
+  </p:cSld>
+  <p:clrMapOvr>
+    <a:masterClrMapping/>
+  </p:clrMapOvr>
+  <p:timing>
+    <p:tnLst>
+      <p:par>
+        <p:cTn id="1" dur="indefinite" restart="never" nodeType="tmRoot"/>
+      </p:par>
+    </p:tnLst>
+  </p:timing>
+</p:sld>
+</file>
+
 <file path=ppt/theme/theme1.xml><?xml version="1.0" encoding="utf-8"?>
 <a:theme xmlns:a="http://schemas.openxmlformats.org/drawingml/2006/main" name="Office Theme">
   <a:themeElements>

--- a/hasil ANN.pptx
+++ b/hasil ANN.pptx
@@ -13,6 +13,7 @@
     <p:sldId id="262" r:id="rId7"/>
     <p:sldId id="264" r:id="rId8"/>
     <p:sldId id="265" r:id="rId9"/>
+    <p:sldId id="266" r:id="rId10"/>
   </p:sldIdLst>
   <p:sldSz cx="9144000" cy="6858000" type="screen4x3"/>
   <p:notesSz cx="6858000" cy="9144000"/>
@@ -295,7 +296,7 @@
           <a:p>
             <a:fld id="{971B3293-45C0-406E-BF69-948F0ACD2DA7}" type="datetimeFigureOut">
               <a:rPr lang="en-GB" smtClean="0"/>
-              <a:t>11/06/2017</a:t>
+              <a:t>31/07/2017</a:t>
             </a:fld>
             <a:endParaRPr lang="en-GB"/>
           </a:p>
@@ -465,7 +466,7 @@
           <a:p>
             <a:fld id="{971B3293-45C0-406E-BF69-948F0ACD2DA7}" type="datetimeFigureOut">
               <a:rPr lang="en-GB" smtClean="0"/>
-              <a:t>11/06/2017</a:t>
+              <a:t>31/07/2017</a:t>
             </a:fld>
             <a:endParaRPr lang="en-GB"/>
           </a:p>
@@ -645,7 +646,7 @@
           <a:p>
             <a:fld id="{971B3293-45C0-406E-BF69-948F0ACD2DA7}" type="datetimeFigureOut">
               <a:rPr lang="en-GB" smtClean="0"/>
-              <a:t>11/06/2017</a:t>
+              <a:t>31/07/2017</a:t>
             </a:fld>
             <a:endParaRPr lang="en-GB"/>
           </a:p>
@@ -815,7 +816,7 @@
           <a:p>
             <a:fld id="{971B3293-45C0-406E-BF69-948F0ACD2DA7}" type="datetimeFigureOut">
               <a:rPr lang="en-GB" smtClean="0"/>
-              <a:t>11/06/2017</a:t>
+              <a:t>31/07/2017</a:t>
             </a:fld>
             <a:endParaRPr lang="en-GB"/>
           </a:p>
@@ -1061,7 +1062,7 @@
           <a:p>
             <a:fld id="{971B3293-45C0-406E-BF69-948F0ACD2DA7}" type="datetimeFigureOut">
               <a:rPr lang="en-GB" smtClean="0"/>
-              <a:t>11/06/2017</a:t>
+              <a:t>31/07/2017</a:t>
             </a:fld>
             <a:endParaRPr lang="en-GB"/>
           </a:p>
@@ -1349,7 +1350,7 @@
           <a:p>
             <a:fld id="{971B3293-45C0-406E-BF69-948F0ACD2DA7}" type="datetimeFigureOut">
               <a:rPr lang="en-GB" smtClean="0"/>
-              <a:t>11/06/2017</a:t>
+              <a:t>31/07/2017</a:t>
             </a:fld>
             <a:endParaRPr lang="en-GB"/>
           </a:p>
@@ -1771,7 +1772,7 @@
           <a:p>
             <a:fld id="{971B3293-45C0-406E-BF69-948F0ACD2DA7}" type="datetimeFigureOut">
               <a:rPr lang="en-GB" smtClean="0"/>
-              <a:t>11/06/2017</a:t>
+              <a:t>31/07/2017</a:t>
             </a:fld>
             <a:endParaRPr lang="en-GB"/>
           </a:p>
@@ -1889,7 +1890,7 @@
           <a:p>
             <a:fld id="{971B3293-45C0-406E-BF69-948F0ACD2DA7}" type="datetimeFigureOut">
               <a:rPr lang="en-GB" smtClean="0"/>
-              <a:t>11/06/2017</a:t>
+              <a:t>31/07/2017</a:t>
             </a:fld>
             <a:endParaRPr lang="en-GB"/>
           </a:p>
@@ -1984,7 +1985,7 @@
           <a:p>
             <a:fld id="{971B3293-45C0-406E-BF69-948F0ACD2DA7}" type="datetimeFigureOut">
               <a:rPr lang="en-GB" smtClean="0"/>
-              <a:t>11/06/2017</a:t>
+              <a:t>31/07/2017</a:t>
             </a:fld>
             <a:endParaRPr lang="en-GB"/>
           </a:p>
@@ -2261,7 +2262,7 @@
           <a:p>
             <a:fld id="{971B3293-45C0-406E-BF69-948F0ACD2DA7}" type="datetimeFigureOut">
               <a:rPr lang="en-GB" smtClean="0"/>
-              <a:t>11/06/2017</a:t>
+              <a:t>31/07/2017</a:t>
             </a:fld>
             <a:endParaRPr lang="en-GB"/>
           </a:p>
@@ -2514,7 +2515,7 @@
           <a:p>
             <a:fld id="{971B3293-45C0-406E-BF69-948F0ACD2DA7}" type="datetimeFigureOut">
               <a:rPr lang="en-GB" smtClean="0"/>
-              <a:t>11/06/2017</a:t>
+              <a:t>31/07/2017</a:t>
             </a:fld>
             <a:endParaRPr lang="en-GB"/>
           </a:p>
@@ -2727,7 +2728,7 @@
           <a:p>
             <a:fld id="{971B3293-45C0-406E-BF69-948F0ACD2DA7}" type="datetimeFigureOut">
               <a:rPr lang="en-GB" smtClean="0"/>
-              <a:t>11/06/2017</a:t>
+              <a:t>31/07/2017</a:t>
             </a:fld>
             <a:endParaRPr lang="en-GB"/>
           </a:p>
@@ -4693,15 +4694,7 @@
           <a:p>
             <a:r>
               <a:rPr lang="en-GB" dirty="0" smtClean="0"/>
-              <a:t>Tr</a:t>
-            </a:r>
-            <a:r>
-              <a:rPr lang="en-GB" dirty="0" smtClean="0"/>
-              <a:t>igram </a:t>
-            </a:r>
-            <a:r>
-              <a:rPr lang="en-GB" dirty="0" smtClean="0"/>
-              <a:t>(KBBI)</a:t>
+              <a:t>Trigram (KBBI)</a:t>
             </a:r>
             <a:endParaRPr lang="en-GB" dirty="0"/>
           </a:p>
@@ -4916,6 +4909,185 @@
       </p:par>
     </p:tnLst>
   </p:timing>
+</p:sld>
+</file>
+
+<file path=ppt/slides/slide9.xml><?xml version="1.0" encoding="utf-8"?>
+<p:sld xmlns:a="http://schemas.openxmlformats.org/drawingml/2006/main" xmlns:r="http://schemas.openxmlformats.org/officeDocument/2006/relationships" xmlns:p="http://schemas.openxmlformats.org/presentationml/2006/main">
+  <p:cSld>
+    <p:spTree>
+      <p:nvGrpSpPr>
+        <p:cNvPr id="1" name=""/>
+        <p:cNvGrpSpPr/>
+        <p:nvPr/>
+      </p:nvGrpSpPr>
+      <p:grpSpPr>
+        <a:xfrm>
+          <a:off x="0" y="0"/>
+          <a:ext cx="0" cy="0"/>
+          <a:chOff x="0" y="0"/>
+          <a:chExt cx="0" cy="0"/>
+        </a:xfrm>
+      </p:grpSpPr>
+      <p:sp>
+        <p:nvSpPr>
+          <p:cNvPr id="2" name="Title 1"/>
+          <p:cNvSpPr>
+            <a:spLocks noGrp="1"/>
+          </p:cNvSpPr>
+          <p:nvPr>
+            <p:ph type="title"/>
+          </p:nvPr>
+        </p:nvSpPr>
+        <p:spPr/>
+        <p:txBody>
+          <a:bodyPr/>
+          <a:lstStyle/>
+          <a:p>
+            <a:endParaRPr lang="en-GB"/>
+          </a:p>
+        </p:txBody>
+      </p:sp>
+      <p:pic>
+        <p:nvPicPr>
+          <p:cNvPr id="1026" name="Picture 2"/>
+          <p:cNvPicPr>
+            <a:picLocks noGrp="1" noChangeAspect="1" noChangeArrowheads="1"/>
+          </p:cNvPicPr>
+          <p:nvPr>
+            <p:ph idx="1"/>
+          </p:nvPr>
+        </p:nvPicPr>
+        <p:blipFill>
+          <a:blip r:embed="rId2">
+            <a:extLst>
+              <a:ext uri="{28A0092B-C50C-407E-A947-70E740481C1C}">
+                <a14:useLocalDpi xmlns:a14="http://schemas.microsoft.com/office/drawing/2010/main" val="0"/>
+              </a:ext>
+            </a:extLst>
+          </a:blip>
+          <a:srcRect/>
+          <a:stretch>
+            <a:fillRect/>
+          </a:stretch>
+        </p:blipFill>
+        <p:spPr bwMode="auto">
+          <a:xfrm>
+            <a:off x="467544" y="1844824"/>
+            <a:ext cx="4010025" cy="1171575"/>
+          </a:xfrm>
+          <a:prstGeom prst="rect">
+            <a:avLst/>
+          </a:prstGeom>
+          <a:noFill/>
+          <a:ln>
+            <a:noFill/>
+          </a:ln>
+          <a:effectLst/>
+          <a:extLst>
+            <a:ext uri="{909E8E84-426E-40DD-AFC4-6F175D3DCCD1}">
+              <a14:hiddenFill xmlns:a14="http://schemas.microsoft.com/office/drawing/2010/main">
+                <a:solidFill>
+                  <a:schemeClr val="accent1"/>
+                </a:solidFill>
+              </a14:hiddenFill>
+            </a:ext>
+            <a:ext uri="{91240B29-F687-4F45-9708-019B960494DF}">
+              <a14:hiddenLine xmlns:a14="http://schemas.microsoft.com/office/drawing/2010/main" w="9525">
+                <a:solidFill>
+                  <a:schemeClr val="tx1"/>
+                </a:solidFill>
+                <a:miter lim="800000"/>
+                <a:headEnd/>
+                <a:tailEnd/>
+              </a14:hiddenLine>
+            </a:ext>
+            <a:ext uri="{AF507438-7753-43E0-B8FC-AC1667EBCBE1}">
+              <a14:hiddenEffects xmlns:a14="http://schemas.microsoft.com/office/drawing/2010/main">
+                <a:effectLst>
+                  <a:outerShdw dist="35921" dir="2700000" algn="ctr" rotWithShape="0">
+                    <a:schemeClr val="bg2"/>
+                  </a:outerShdw>
+                </a:effectLst>
+              </a14:hiddenEffects>
+            </a:ext>
+          </a:extLst>
+        </p:spPr>
+      </p:pic>
+      <p:pic>
+        <p:nvPicPr>
+          <p:cNvPr id="1027" name="Picture 3"/>
+          <p:cNvPicPr>
+            <a:picLocks noChangeAspect="1" noChangeArrowheads="1"/>
+          </p:cNvPicPr>
+          <p:nvPr/>
+        </p:nvPicPr>
+        <p:blipFill>
+          <a:blip r:embed="rId3">
+            <a:extLst>
+              <a:ext uri="{28A0092B-C50C-407E-A947-70E740481C1C}">
+                <a14:useLocalDpi xmlns:a14="http://schemas.microsoft.com/office/drawing/2010/main" val="0"/>
+              </a:ext>
+            </a:extLst>
+          </a:blip>
+          <a:srcRect/>
+          <a:stretch>
+            <a:fillRect/>
+          </a:stretch>
+        </p:blipFill>
+        <p:spPr bwMode="auto">
+          <a:xfrm>
+            <a:off x="536741" y="3212976"/>
+            <a:ext cx="4029075" cy="2619375"/>
+          </a:xfrm>
+          <a:prstGeom prst="rect">
+            <a:avLst/>
+          </a:prstGeom>
+          <a:noFill/>
+          <a:ln>
+            <a:noFill/>
+          </a:ln>
+          <a:effectLst/>
+          <a:extLst>
+            <a:ext uri="{909E8E84-426E-40DD-AFC4-6F175D3DCCD1}">
+              <a14:hiddenFill xmlns:a14="http://schemas.microsoft.com/office/drawing/2010/main">
+                <a:solidFill>
+                  <a:schemeClr val="accent1"/>
+                </a:solidFill>
+              </a14:hiddenFill>
+            </a:ext>
+            <a:ext uri="{91240B29-F687-4F45-9708-019B960494DF}">
+              <a14:hiddenLine xmlns:a14="http://schemas.microsoft.com/office/drawing/2010/main" w="9525">
+                <a:solidFill>
+                  <a:schemeClr val="tx1"/>
+                </a:solidFill>
+                <a:miter lim="800000"/>
+                <a:headEnd/>
+                <a:tailEnd/>
+              </a14:hiddenLine>
+            </a:ext>
+            <a:ext uri="{AF507438-7753-43E0-B8FC-AC1667EBCBE1}">
+              <a14:hiddenEffects xmlns:a14="http://schemas.microsoft.com/office/drawing/2010/main">
+                <a:effectLst>
+                  <a:outerShdw dist="35921" dir="2700000" algn="ctr" rotWithShape="0">
+                    <a:schemeClr val="bg2"/>
+                  </a:outerShdw>
+                </a:effectLst>
+              </a14:hiddenEffects>
+            </a:ext>
+          </a:extLst>
+        </p:spPr>
+      </p:pic>
+    </p:spTree>
+    <p:extLst>
+      <p:ext uri="{BB962C8B-B14F-4D97-AF65-F5344CB8AC3E}">
+        <p14:creationId xmlns:p14="http://schemas.microsoft.com/office/powerpoint/2010/main" val="4035844741"/>
+      </p:ext>
+    </p:extLst>
+  </p:cSld>
+  <p:clrMapOvr>
+    <a:masterClrMapping/>
+  </p:clrMapOvr>
 </p:sld>
 </file>
 
